--- a/e61 Projects/Presentations/Discusant Wage Subsides TTPI Aug 2025.pptx
+++ b/e61 Projects/Presentations/Discusant Wage Subsides TTPI Aug 2025.pptx
@@ -5,21 +5,25 @@
     <p:sldMasterId id="2147483660" r:id="rId4"/>
   </p:sldMasterIdLst>
   <p:notesMasterIdLst>
-    <p:notesMasterId r:id="rId9"/>
+    <p:notesMasterId r:id="rId13"/>
   </p:notesMasterIdLst>
   <p:handoutMasterIdLst>
-    <p:handoutMasterId r:id="rId10"/>
+    <p:handoutMasterId r:id="rId14"/>
   </p:handoutMasterIdLst>
   <p:sldIdLst>
     <p:sldId id="2147140411" r:id="rId5"/>
     <p:sldId id="2147140426" r:id="rId6"/>
     <p:sldId id="2147140427" r:id="rId7"/>
     <p:sldId id="2147140428" r:id="rId8"/>
+    <p:sldId id="2147140431" r:id="rId9"/>
+    <p:sldId id="2147140430" r:id="rId10"/>
+    <p:sldId id="2147140432" r:id="rId11"/>
+    <p:sldId id="2147140429" r:id="rId12"/>
   </p:sldIdLst>
   <p:sldSz cx="12192000" cy="6858000"/>
   <p:notesSz cx="6858000" cy="9144000"/>
   <p:custDataLst>
-    <p:tags r:id="rId11"/>
+    <p:tags r:id="rId15"/>
   </p:custDataLst>
   <p:defaultTextStyle>
     <a:defPPr>
@@ -125,6 +129,10 @@
             <p14:sldId id="2147140426"/>
             <p14:sldId id="2147140427"/>
             <p14:sldId id="2147140428"/>
+            <p14:sldId id="2147140431"/>
+            <p14:sldId id="2147140430"/>
+            <p14:sldId id="2147140432"/>
+            <p14:sldId id="2147140429"/>
           </p14:sldIdLst>
         </p14:section>
       </p14:sectionLst>
@@ -19830,6 +19838,287 @@
           </a:p>
         </p:txBody>
       </p:sp>
+      <p:sp>
+        <p:nvSpPr>
+          <p:cNvPr id="3" name="TextBox 2">
+            <a:extLst>
+              <a:ext uri="{FF2B5EF4-FFF2-40B4-BE49-F238E27FC236}">
+                <a16:creationId xmlns:a16="http://schemas.microsoft.com/office/drawing/2014/main" id="{325493B9-D34F-0FDB-6E37-6314B99D9B9D}"/>
+              </a:ext>
+            </a:extLst>
+          </p:cNvPr>
+          <p:cNvSpPr txBox="1"/>
+          <p:nvPr/>
+        </p:nvSpPr>
+        <p:spPr>
+          <a:xfrm>
+            <a:off x="370417" y="1173980"/>
+            <a:ext cx="9506828" cy="1200329"/>
+          </a:xfrm>
+          <a:prstGeom prst="rect">
+            <a:avLst/>
+          </a:prstGeom>
+          <a:noFill/>
+        </p:spPr>
+        <p:txBody>
+          <a:bodyPr wrap="square" rtlCol="0">
+            <a:spAutoFit/>
+          </a:bodyPr>
+          <a:lstStyle/>
+          <a:p>
+            <a:r>
+              <a:rPr lang="en-AU" b="1" dirty="0">
+                <a:solidFill>
+                  <a:schemeClr val="accent1"/>
+                </a:solidFill>
+              </a:rPr>
+              <a:t>Asks two related questions:</a:t>
+            </a:r>
+          </a:p>
+          <a:p>
+            <a:endParaRPr lang="en-AU" dirty="0"/>
+          </a:p>
+          <a:p>
+            <a:pPr marL="342900" indent="-342900">
+              <a:buFont typeface="+mj-lt"/>
+              <a:buAutoNum type="arabicPeriod"/>
+            </a:pPr>
+            <a:r>
+              <a:rPr lang="en-AU" dirty="0"/>
+              <a:t>What are the </a:t>
+            </a:r>
+            <a:r>
+              <a:rPr lang="en-AU" b="1" dirty="0"/>
+              <a:t>employment effects</a:t>
+            </a:r>
+            <a:r>
+              <a:rPr lang="en-AU" dirty="0"/>
+              <a:t> of low-income wage subsides/tax-credits?</a:t>
+            </a:r>
+          </a:p>
+          <a:p>
+            <a:pPr marL="342900" indent="-342900">
+              <a:buFont typeface="+mj-lt"/>
+              <a:buAutoNum type="arabicPeriod"/>
+            </a:pPr>
+            <a:r>
+              <a:rPr lang="en-AU" dirty="0"/>
+              <a:t>What are the </a:t>
+            </a:r>
+            <a:r>
+              <a:rPr lang="en-AU" b="1" dirty="0"/>
+              <a:t>wage effects</a:t>
+            </a:r>
+            <a:r>
+              <a:rPr lang="en-AU" dirty="0"/>
+              <a:t> of such a subsidy?</a:t>
+            </a:r>
+          </a:p>
+        </p:txBody>
+      </p:sp>
+      <p:sp>
+        <p:nvSpPr>
+          <p:cNvPr id="6" name="TextBox 5">
+            <a:extLst>
+              <a:ext uri="{FF2B5EF4-FFF2-40B4-BE49-F238E27FC236}">
+                <a16:creationId xmlns:a16="http://schemas.microsoft.com/office/drawing/2014/main" id="{38988F16-19E7-63DE-3949-218F9E47EBAB}"/>
+              </a:ext>
+            </a:extLst>
+          </p:cNvPr>
+          <p:cNvSpPr txBox="1"/>
+          <p:nvPr/>
+        </p:nvSpPr>
+        <p:spPr>
+          <a:xfrm>
+            <a:off x="370417" y="2736502"/>
+            <a:ext cx="9506828" cy="1200329"/>
+          </a:xfrm>
+          <a:prstGeom prst="rect">
+            <a:avLst/>
+          </a:prstGeom>
+          <a:noFill/>
+        </p:spPr>
+        <p:txBody>
+          <a:bodyPr wrap="square" rtlCol="0">
+            <a:spAutoFit/>
+          </a:bodyPr>
+          <a:lstStyle/>
+          <a:p>
+            <a:r>
+              <a:rPr lang="en-AU" b="1" dirty="0">
+                <a:solidFill>
+                  <a:schemeClr val="accent1"/>
+                </a:solidFill>
+              </a:rPr>
+              <a:t>Uses a reform in France in 2015:</a:t>
+            </a:r>
+          </a:p>
+          <a:p>
+            <a:endParaRPr lang="en-AU" dirty="0"/>
+          </a:p>
+          <a:p>
+            <a:pPr marL="342900" indent="-342900">
+              <a:buFont typeface="+mj-lt"/>
+              <a:buAutoNum type="arabicPeriod"/>
+            </a:pPr>
+            <a:r>
+              <a:rPr lang="en-AU" dirty="0"/>
+              <a:t>Decreased and increased </a:t>
+            </a:r>
+            <a:r>
+              <a:rPr lang="en-AU" b="1" dirty="0"/>
+              <a:t>marginal tax rates</a:t>
+            </a:r>
+            <a:r>
+              <a:rPr lang="en-AU" dirty="0"/>
+              <a:t> across the low-earner distribution.</a:t>
+            </a:r>
+          </a:p>
+          <a:p>
+            <a:pPr marL="342900" indent="-342900">
+              <a:buFont typeface="+mj-lt"/>
+              <a:buAutoNum type="arabicPeriod"/>
+            </a:pPr>
+            <a:r>
+              <a:rPr lang="en-AU" dirty="0"/>
+              <a:t>Decreased </a:t>
+            </a:r>
+            <a:r>
+              <a:rPr lang="en-AU" b="1" dirty="0"/>
+              <a:t>participation tax rates</a:t>
+            </a:r>
+            <a:r>
+              <a:rPr lang="en-AU" dirty="0"/>
+              <a:t> across the low-earner distribution.</a:t>
+            </a:r>
+          </a:p>
+        </p:txBody>
+      </p:sp>
+      <p:sp>
+        <p:nvSpPr>
+          <p:cNvPr id="7" name="TextBox 6">
+            <a:extLst>
+              <a:ext uri="{FF2B5EF4-FFF2-40B4-BE49-F238E27FC236}">
+                <a16:creationId xmlns:a16="http://schemas.microsoft.com/office/drawing/2014/main" id="{EC347C18-F159-E019-5860-FEE0D3ACC0D0}"/>
+              </a:ext>
+            </a:extLst>
+          </p:cNvPr>
+          <p:cNvSpPr txBox="1"/>
+          <p:nvPr/>
+        </p:nvSpPr>
+        <p:spPr>
+          <a:xfrm>
+            <a:off x="370417" y="4299024"/>
+            <a:ext cx="9506828" cy="1200329"/>
+          </a:xfrm>
+          <a:prstGeom prst="rect">
+            <a:avLst/>
+          </a:prstGeom>
+          <a:noFill/>
+        </p:spPr>
+        <p:txBody>
+          <a:bodyPr wrap="square" rtlCol="0">
+            <a:spAutoFit/>
+          </a:bodyPr>
+          <a:lstStyle/>
+          <a:p>
+            <a:r>
+              <a:rPr lang="en-AU" dirty="0">
+                <a:solidFill>
+                  <a:schemeClr val="accent1"/>
+                </a:solidFill>
+              </a:rPr>
+              <a:t>From a </a:t>
+            </a:r>
+            <a:r>
+              <a:rPr lang="en-AU" b="1" dirty="0">
+                <a:solidFill>
+                  <a:schemeClr val="accent1"/>
+                </a:solidFill>
+              </a:rPr>
+              <a:t>10% reduction in the net of participation tax rate</a:t>
+            </a:r>
+            <a:r>
+              <a:rPr lang="en-AU" dirty="0">
+                <a:solidFill>
+                  <a:schemeClr val="accent1"/>
+                </a:solidFill>
+              </a:rPr>
+              <a:t>:</a:t>
+            </a:r>
+          </a:p>
+          <a:p>
+            <a:endParaRPr lang="en-AU" dirty="0"/>
+          </a:p>
+          <a:p>
+            <a:pPr marL="342900" indent="-342900">
+              <a:buFont typeface="+mj-lt"/>
+              <a:buAutoNum type="arabicPeriod"/>
+            </a:pPr>
+            <a:r>
+              <a:rPr lang="en-AU" dirty="0"/>
+              <a:t>A 2.7% increase in hours worked.</a:t>
+            </a:r>
+          </a:p>
+          <a:p>
+            <a:pPr marL="342900" indent="-342900">
+              <a:buFont typeface="+mj-lt"/>
+              <a:buAutoNum type="arabicPeriod"/>
+            </a:pPr>
+            <a:r>
+              <a:rPr lang="en-AU" dirty="0"/>
+              <a:t>A 3.1% decline in wages (31% pass through to firms).</a:t>
+            </a:r>
+          </a:p>
+        </p:txBody>
+      </p:sp>
+      <p:sp>
+        <p:nvSpPr>
+          <p:cNvPr id="8" name="TextBox 7">
+            <a:extLst>
+              <a:ext uri="{FF2B5EF4-FFF2-40B4-BE49-F238E27FC236}">
+                <a16:creationId xmlns:a16="http://schemas.microsoft.com/office/drawing/2014/main" id="{0DDE75BE-D706-0F22-8C86-CBDF74E7C933}"/>
+              </a:ext>
+            </a:extLst>
+          </p:cNvPr>
+          <p:cNvSpPr txBox="1"/>
+          <p:nvPr/>
+        </p:nvSpPr>
+        <p:spPr>
+          <a:xfrm>
+            <a:off x="370417" y="5861546"/>
+            <a:ext cx="9506828" cy="369332"/>
+          </a:xfrm>
+          <a:prstGeom prst="rect">
+            <a:avLst/>
+          </a:prstGeom>
+          <a:noFill/>
+        </p:spPr>
+        <p:txBody>
+          <a:bodyPr wrap="square" rtlCol="0">
+            <a:spAutoFit/>
+          </a:bodyPr>
+          <a:lstStyle/>
+          <a:p>
+            <a:r>
+              <a:rPr lang="en-AU" dirty="0"/>
+              <a:t>Extensive margin response with no intensive margin response </a:t>
+            </a:r>
+            <a:r>
+              <a:rPr lang="en-AU" b="1" dirty="0">
+                <a:solidFill>
+                  <a:schemeClr val="accent1"/>
+                </a:solidFill>
+              </a:rPr>
+              <a:t>consistent with literature</a:t>
+            </a:r>
+            <a:r>
+              <a:rPr lang="en-AU" dirty="0"/>
+              <a:t>.</a:t>
+            </a:r>
+          </a:p>
+        </p:txBody>
+      </p:sp>
     </p:spTree>
     <p:extLst>
       <p:ext uri="{BB962C8B-B14F-4D97-AF65-F5344CB8AC3E}">
@@ -20042,7 +20331,7 @@
           <a:p>
             <a:r>
               <a:rPr lang="en-AU" dirty="0"/>
-              <a:t>Potential limitations</a:t>
+              <a:t>Potential limitations: Interpretation of the shock variable</a:t>
             </a:r>
           </a:p>
         </p:txBody>
@@ -20090,8 +20379,333 @@
         </p:nvSpPr>
         <p:spPr>
           <a:xfrm>
-            <a:off x="457199" y="1543312"/>
-            <a:ext cx="2725948" cy="369332"/>
+            <a:off x="444640" y="1157731"/>
+            <a:ext cx="10705382" cy="1200329"/>
+          </a:xfrm>
+          <a:prstGeom prst="rect">
+            <a:avLst/>
+          </a:prstGeom>
+          <a:noFill/>
+        </p:spPr>
+        <p:txBody>
+          <a:bodyPr wrap="square" rtlCol="0">
+            <a:spAutoFit/>
+          </a:bodyPr>
+          <a:lstStyle/>
+          <a:p>
+            <a:r>
+              <a:rPr lang="en-AU" dirty="0"/>
+              <a:t>Two regions could have the same shock with two very different patterns of treatment.</a:t>
+            </a:r>
+          </a:p>
+          <a:p>
+            <a:endParaRPr lang="en-AU" dirty="0"/>
+          </a:p>
+          <a:p>
+            <a:r>
+              <a:rPr lang="en-AU" dirty="0"/>
+              <a:t>e.g. Two regions with 10 people, A and B. In region A 10 people see net PTR fall by 1%, in region B 1 person sees it fall by 10%. </a:t>
+            </a:r>
+            <a:r>
+              <a:rPr lang="en-AU" b="1" dirty="0"/>
+              <a:t>Both regions have the same shock</a:t>
+            </a:r>
+            <a:r>
+              <a:rPr lang="en-AU" dirty="0"/>
+              <a:t>.</a:t>
+            </a:r>
+          </a:p>
+        </p:txBody>
+      </p:sp>
+      <p:sp>
+        <p:nvSpPr>
+          <p:cNvPr id="7" name="TextBox 6">
+            <a:extLst>
+              <a:ext uri="{FF2B5EF4-FFF2-40B4-BE49-F238E27FC236}">
+                <a16:creationId xmlns:a16="http://schemas.microsoft.com/office/drawing/2014/main" id="{EE1A66D0-9E2B-1425-0236-2085C3A826F0}"/>
+              </a:ext>
+            </a:extLst>
+          </p:cNvPr>
+          <p:cNvSpPr txBox="1"/>
+          <p:nvPr/>
+        </p:nvSpPr>
+        <p:spPr>
+          <a:xfrm>
+            <a:off x="444640" y="3292439"/>
+            <a:ext cx="10705382" cy="2031325"/>
+          </a:xfrm>
+          <a:prstGeom prst="rect">
+            <a:avLst/>
+          </a:prstGeom>
+          <a:noFill/>
+        </p:spPr>
+        <p:txBody>
+          <a:bodyPr wrap="square" rtlCol="0">
+            <a:spAutoFit/>
+          </a:bodyPr>
+          <a:lstStyle/>
+          <a:p>
+            <a:r>
+              <a:rPr lang="en-AU" b="1" dirty="0"/>
+              <a:t>Participation rate concern</a:t>
+            </a:r>
+            <a:r>
+              <a:rPr lang="en-AU" dirty="0"/>
+              <a:t>: </a:t>
+            </a:r>
+          </a:p>
+          <a:p>
+            <a:pPr marL="342900" indent="-342900">
+              <a:buFont typeface="+mj-lt"/>
+              <a:buAutoNum type="arabicPeriod"/>
+            </a:pPr>
+            <a:r>
+              <a:rPr lang="en-AU" dirty="0"/>
+              <a:t>Take the individual who receives the largest hour-weighted treatment. On the substitution margin their MTR is unchanged, but the income effect will lower their work incentives. </a:t>
+            </a:r>
+          </a:p>
+          <a:p>
+            <a:pPr marL="342900" indent="-342900">
+              <a:buFont typeface="+mj-lt"/>
+              <a:buAutoNum type="arabicPeriod"/>
+            </a:pPr>
+            <a:r>
+              <a:rPr lang="en-AU" dirty="0"/>
+              <a:t>Take an unemployed individual.  On the substitution margin the MTR is lower, and there is no income effect.</a:t>
+            </a:r>
+          </a:p>
+          <a:p>
+            <a:pPr marL="342900" indent="-342900">
+              <a:buFont typeface="+mj-lt"/>
+              <a:buAutoNum type="arabicPeriod"/>
+            </a:pPr>
+            <a:endParaRPr lang="en-AU" dirty="0"/>
+          </a:p>
+          <a:p>
+            <a:r>
+              <a:rPr lang="en-AU" dirty="0"/>
+              <a:t>However, this instrument would treat the former as treated and the later as untreated.</a:t>
+            </a:r>
+          </a:p>
+        </p:txBody>
+      </p:sp>
+      <p:sp>
+        <p:nvSpPr>
+          <p:cNvPr id="8" name="TextBox 7">
+            <a:extLst>
+              <a:ext uri="{FF2B5EF4-FFF2-40B4-BE49-F238E27FC236}">
+                <a16:creationId xmlns:a16="http://schemas.microsoft.com/office/drawing/2014/main" id="{ADFE89CE-9477-657F-0751-8C50092FB3B3}"/>
+              </a:ext>
+            </a:extLst>
+          </p:cNvPr>
+          <p:cNvSpPr txBox="1"/>
+          <p:nvPr/>
+        </p:nvSpPr>
+        <p:spPr>
+          <a:xfrm>
+            <a:off x="444640" y="2676299"/>
+            <a:ext cx="10705382" cy="369332"/>
+          </a:xfrm>
+          <a:prstGeom prst="rect">
+            <a:avLst/>
+          </a:prstGeom>
+          <a:noFill/>
+        </p:spPr>
+        <p:txBody>
+          <a:bodyPr wrap="square" rtlCol="0">
+            <a:spAutoFit/>
+          </a:bodyPr>
+          <a:lstStyle/>
+          <a:p>
+            <a:r>
+              <a:rPr lang="en-AU" dirty="0"/>
+              <a:t>Furthermore, the simulated shocks are based on the change in tax incentives from their status quo.</a:t>
+            </a:r>
+          </a:p>
+        </p:txBody>
+      </p:sp>
+      <p:sp>
+        <p:nvSpPr>
+          <p:cNvPr id="9" name="TextBox 8">
+            <a:extLst>
+              <a:ext uri="{FF2B5EF4-FFF2-40B4-BE49-F238E27FC236}">
+                <a16:creationId xmlns:a16="http://schemas.microsoft.com/office/drawing/2014/main" id="{F0C36244-1902-57C5-DC54-60117A02B9C6}"/>
+              </a:ext>
+            </a:extLst>
+          </p:cNvPr>
+          <p:cNvSpPr txBox="1"/>
+          <p:nvPr/>
+        </p:nvSpPr>
+        <p:spPr>
+          <a:xfrm>
+            <a:off x="444640" y="5638830"/>
+            <a:ext cx="10705382" cy="369332"/>
+          </a:xfrm>
+          <a:prstGeom prst="rect">
+            <a:avLst/>
+          </a:prstGeom>
+          <a:noFill/>
+        </p:spPr>
+        <p:txBody>
+          <a:bodyPr wrap="square" rtlCol="0">
+            <a:spAutoFit/>
+          </a:bodyPr>
+          <a:lstStyle/>
+          <a:p>
+            <a:r>
+              <a:rPr lang="en-AU" dirty="0"/>
+              <a:t>This </a:t>
+            </a:r>
+            <a:r>
+              <a:rPr lang="en-AU" b="1" dirty="0"/>
+              <a:t>is addressed</a:t>
+            </a:r>
+            <a:r>
+              <a:rPr lang="en-AU" dirty="0"/>
+              <a:t> by imputing their income based on characteristics to estimate a treatment intensity.</a:t>
+            </a:r>
+          </a:p>
+        </p:txBody>
+      </p:sp>
+    </p:spTree>
+    <p:extLst>
+      <p:ext uri="{BB962C8B-B14F-4D97-AF65-F5344CB8AC3E}">
+        <p14:creationId xmlns:p14="http://schemas.microsoft.com/office/powerpoint/2010/main" val="3709829018"/>
+      </p:ext>
+    </p:extLst>
+  </p:cSld>
+  <p:clrMapOvr>
+    <a:masterClrMapping/>
+  </p:clrMapOvr>
+</p:sld>
+</file>
+
+<file path=ppt/slides/slide5.xml><?xml version="1.0" encoding="utf-8"?>
+<p:sld xmlns:a="http://schemas.openxmlformats.org/drawingml/2006/main" xmlns:r="http://schemas.openxmlformats.org/officeDocument/2006/relationships" xmlns:p="http://schemas.openxmlformats.org/presentationml/2006/main">
+  <p:cSld>
+    <p:spTree>
+      <p:nvGrpSpPr>
+        <p:cNvPr id="1" name="">
+          <a:extLst>
+            <a:ext uri="{FF2B5EF4-FFF2-40B4-BE49-F238E27FC236}">
+              <a16:creationId xmlns:a16="http://schemas.microsoft.com/office/drawing/2014/main" id="{C2C08079-2D21-97BA-067B-1AD5E1952F0E}"/>
+            </a:ext>
+          </a:extLst>
+        </p:cNvPr>
+        <p:cNvGrpSpPr/>
+        <p:nvPr/>
+      </p:nvGrpSpPr>
+      <p:grpSpPr>
+        <a:xfrm>
+          <a:off x="0" y="0"/>
+          <a:ext cx="0" cy="0"/>
+          <a:chOff x="0" y="0"/>
+          <a:chExt cx="0" cy="0"/>
+        </a:xfrm>
+      </p:grpSpPr>
+      <p:sp>
+        <p:nvSpPr>
+          <p:cNvPr id="2" name="Slide Number Placeholder 1">
+            <a:extLst>
+              <a:ext uri="{FF2B5EF4-FFF2-40B4-BE49-F238E27FC236}">
+                <a16:creationId xmlns:a16="http://schemas.microsoft.com/office/drawing/2014/main" id="{4F5A4049-F178-98D4-8E4F-C408D617CC59}"/>
+              </a:ext>
+            </a:extLst>
+          </p:cNvPr>
+          <p:cNvSpPr>
+            <a:spLocks noGrp="1"/>
+          </p:cNvSpPr>
+          <p:nvPr>
+            <p:ph type="sldNum" sz="quarter" idx="10"/>
+          </p:nvPr>
+        </p:nvSpPr>
+        <p:spPr/>
+        <p:txBody>
+          <a:bodyPr/>
+          <a:lstStyle/>
+          <a:p>
+            <a:fld id="{4F9AC08D-23A9-440E-BCB9-AA1E9877CC38}" type="slidenum">
+              <a:rPr lang="en-US" smtClean="0"/>
+              <a:pPr/>
+              <a:t>5</a:t>
+            </a:fld>
+            <a:endParaRPr lang="en-US"/>
+          </a:p>
+        </p:txBody>
+      </p:sp>
+      <p:sp>
+        <p:nvSpPr>
+          <p:cNvPr id="4" name="Title 3">
+            <a:extLst>
+              <a:ext uri="{FF2B5EF4-FFF2-40B4-BE49-F238E27FC236}">
+                <a16:creationId xmlns:a16="http://schemas.microsoft.com/office/drawing/2014/main" id="{1BE5802A-F329-EC61-77EB-AF011A6D6B37}"/>
+              </a:ext>
+            </a:extLst>
+          </p:cNvPr>
+          <p:cNvSpPr>
+            <a:spLocks noGrp="1"/>
+          </p:cNvSpPr>
+          <p:nvPr>
+            <p:ph type="title"/>
+          </p:nvPr>
+        </p:nvSpPr>
+        <p:spPr/>
+        <p:txBody>
+          <a:bodyPr/>
+          <a:lstStyle/>
+          <a:p>
+            <a:r>
+              <a:rPr lang="en-AU" dirty="0"/>
+              <a:t>Potential limitations: Importance of randomly-assigned-shocks</a:t>
+            </a:r>
+          </a:p>
+        </p:txBody>
+      </p:sp>
+      <p:sp>
+        <p:nvSpPr>
+          <p:cNvPr id="5" name="Text Placeholder 4">
+            <a:extLst>
+              <a:ext uri="{FF2B5EF4-FFF2-40B4-BE49-F238E27FC236}">
+                <a16:creationId xmlns:a16="http://schemas.microsoft.com/office/drawing/2014/main" id="{EC334877-634D-9121-088F-9318F4CF4E4D}"/>
+              </a:ext>
+            </a:extLst>
+          </p:cNvPr>
+          <p:cNvSpPr>
+            <a:spLocks noGrp="1"/>
+          </p:cNvSpPr>
+          <p:nvPr>
+            <p:ph type="body" sz="quarter" idx="12"/>
+          </p:nvPr>
+        </p:nvSpPr>
+        <p:spPr/>
+        <p:txBody>
+          <a:bodyPr/>
+          <a:lstStyle/>
+          <a:p>
+            <a:pPr algn="ctr"/>
+            <a:r>
+              <a:rPr lang="en-AU" dirty="0"/>
+              <a:t>XXX</a:t>
+            </a:r>
+          </a:p>
+        </p:txBody>
+      </p:sp>
+      <p:sp>
+        <p:nvSpPr>
+          <p:cNvPr id="3" name="TextBox 2">
+            <a:extLst>
+              <a:ext uri="{FF2B5EF4-FFF2-40B4-BE49-F238E27FC236}">
+                <a16:creationId xmlns:a16="http://schemas.microsoft.com/office/drawing/2014/main" id="{F2CFC445-E4C7-82F1-EE27-4E479F78C88B}"/>
+              </a:ext>
+            </a:extLst>
+          </p:cNvPr>
+          <p:cNvSpPr txBox="1"/>
+          <p:nvPr/>
+        </p:nvSpPr>
+        <p:spPr>
+          <a:xfrm>
+            <a:off x="457198" y="1543312"/>
+            <a:ext cx="4692771" cy="369332"/>
           </a:xfrm>
           <a:prstGeom prst="rect">
             <a:avLst/>
@@ -20109,8 +20723,16 @@
               <a:buChar char="•"/>
             </a:pPr>
             <a:r>
+              <a:rPr lang="en-AU" b="1" dirty="0" err="1"/>
+              <a:t>Chaisemartin</a:t>
+            </a:r>
+            <a:r>
+              <a:rPr lang="en-AU" b="1" dirty="0"/>
+              <a:t> &amp; Lei (2022)</a:t>
+            </a:r>
+            <a:r>
               <a:rPr lang="en-AU" dirty="0"/>
-              <a:t>XXX</a:t>
+              <a:t>: XXX</a:t>
             </a:r>
           </a:p>
         </p:txBody>
@@ -20118,7 +20740,613 @@
     </p:spTree>
     <p:extLst>
       <p:ext uri="{BB962C8B-B14F-4D97-AF65-F5344CB8AC3E}">
-        <p14:creationId xmlns:p14="http://schemas.microsoft.com/office/powerpoint/2010/main" val="3709829018"/>
+        <p14:creationId xmlns:p14="http://schemas.microsoft.com/office/powerpoint/2010/main" val="2825122989"/>
+      </p:ext>
+    </p:extLst>
+  </p:cSld>
+  <p:clrMapOvr>
+    <a:masterClrMapping/>
+  </p:clrMapOvr>
+</p:sld>
+</file>
+
+<file path=ppt/slides/slide6.xml><?xml version="1.0" encoding="utf-8"?>
+<p:sld xmlns:a="http://schemas.openxmlformats.org/drawingml/2006/main" xmlns:r="http://schemas.openxmlformats.org/officeDocument/2006/relationships" xmlns:p="http://schemas.openxmlformats.org/presentationml/2006/main">
+  <p:cSld>
+    <p:spTree>
+      <p:nvGrpSpPr>
+        <p:cNvPr id="1" name="">
+          <a:extLst>
+            <a:ext uri="{FF2B5EF4-FFF2-40B4-BE49-F238E27FC236}">
+              <a16:creationId xmlns:a16="http://schemas.microsoft.com/office/drawing/2014/main" id="{2D3F2381-1461-AAF2-1CE5-1604AB256D04}"/>
+            </a:ext>
+          </a:extLst>
+        </p:cNvPr>
+        <p:cNvGrpSpPr/>
+        <p:nvPr/>
+      </p:nvGrpSpPr>
+      <p:grpSpPr>
+        <a:xfrm>
+          <a:off x="0" y="0"/>
+          <a:ext cx="0" cy="0"/>
+          <a:chOff x="0" y="0"/>
+          <a:chExt cx="0" cy="0"/>
+        </a:xfrm>
+      </p:grpSpPr>
+      <p:sp>
+        <p:nvSpPr>
+          <p:cNvPr id="2" name="Slide Number Placeholder 1">
+            <a:extLst>
+              <a:ext uri="{FF2B5EF4-FFF2-40B4-BE49-F238E27FC236}">
+                <a16:creationId xmlns:a16="http://schemas.microsoft.com/office/drawing/2014/main" id="{B282D0BF-7905-D393-0C85-53C147997BDC}"/>
+              </a:ext>
+            </a:extLst>
+          </p:cNvPr>
+          <p:cNvSpPr>
+            <a:spLocks noGrp="1"/>
+          </p:cNvSpPr>
+          <p:nvPr>
+            <p:ph type="sldNum" sz="quarter" idx="10"/>
+          </p:nvPr>
+        </p:nvSpPr>
+        <p:spPr/>
+        <p:txBody>
+          <a:bodyPr/>
+          <a:lstStyle/>
+          <a:p>
+            <a:fld id="{4F9AC08D-23A9-440E-BCB9-AA1E9877CC38}" type="slidenum">
+              <a:rPr lang="en-US" smtClean="0"/>
+              <a:pPr/>
+              <a:t>6</a:t>
+            </a:fld>
+            <a:endParaRPr lang="en-US"/>
+          </a:p>
+        </p:txBody>
+      </p:sp>
+      <p:sp>
+        <p:nvSpPr>
+          <p:cNvPr id="4" name="Title 3">
+            <a:extLst>
+              <a:ext uri="{FF2B5EF4-FFF2-40B4-BE49-F238E27FC236}">
+                <a16:creationId xmlns:a16="http://schemas.microsoft.com/office/drawing/2014/main" id="{A93DEF1E-0BD2-D6EC-B531-D6B03D14490D}"/>
+              </a:ext>
+            </a:extLst>
+          </p:cNvPr>
+          <p:cNvSpPr>
+            <a:spLocks noGrp="1"/>
+          </p:cNvSpPr>
+          <p:nvPr>
+            <p:ph type="title"/>
+          </p:nvPr>
+        </p:nvSpPr>
+        <p:spPr/>
+        <p:txBody>
+          <a:bodyPr/>
+          <a:lstStyle/>
+          <a:p>
+            <a:r>
+              <a:rPr lang="en-AU" dirty="0"/>
+              <a:t>Potential limitations: Mobility</a:t>
+            </a:r>
+          </a:p>
+        </p:txBody>
+      </p:sp>
+      <p:sp>
+        <p:nvSpPr>
+          <p:cNvPr id="5" name="Text Placeholder 4">
+            <a:extLst>
+              <a:ext uri="{FF2B5EF4-FFF2-40B4-BE49-F238E27FC236}">
+                <a16:creationId xmlns:a16="http://schemas.microsoft.com/office/drawing/2014/main" id="{FD5D1420-8474-9877-001F-135192350D58}"/>
+              </a:ext>
+            </a:extLst>
+          </p:cNvPr>
+          <p:cNvSpPr>
+            <a:spLocks noGrp="1"/>
+          </p:cNvSpPr>
+          <p:nvPr>
+            <p:ph type="body" sz="quarter" idx="12"/>
+          </p:nvPr>
+        </p:nvSpPr>
+        <p:spPr/>
+        <p:txBody>
+          <a:bodyPr/>
+          <a:lstStyle/>
+          <a:p>
+            <a:pPr algn="ctr"/>
+            <a:r>
+              <a:rPr lang="en-AU" dirty="0"/>
+              <a:t>XXX</a:t>
+            </a:r>
+          </a:p>
+        </p:txBody>
+      </p:sp>
+      <p:pic>
+        <p:nvPicPr>
+          <p:cNvPr id="7" name="Picture 6">
+            <a:extLst>
+              <a:ext uri="{FF2B5EF4-FFF2-40B4-BE49-F238E27FC236}">
+                <a16:creationId xmlns:a16="http://schemas.microsoft.com/office/drawing/2014/main" id="{AABEBFDD-0E5C-FFDC-0827-D5F966A5FBCB}"/>
+              </a:ext>
+            </a:extLst>
+          </p:cNvPr>
+          <p:cNvPicPr>
+            <a:picLocks noChangeAspect="1"/>
+          </p:cNvPicPr>
+          <p:nvPr/>
+        </p:nvPicPr>
+        <p:blipFill>
+          <a:blip r:embed="rId2"/>
+          <a:stretch>
+            <a:fillRect/>
+          </a:stretch>
+        </p:blipFill>
+        <p:spPr>
+          <a:xfrm>
+            <a:off x="5965057" y="1976235"/>
+            <a:ext cx="5420481" cy="2905530"/>
+          </a:xfrm>
+          <a:prstGeom prst="rect">
+            <a:avLst/>
+          </a:prstGeom>
+        </p:spPr>
+      </p:pic>
+      <p:sp>
+        <p:nvSpPr>
+          <p:cNvPr id="8" name="TextBox 7">
+            <a:extLst>
+              <a:ext uri="{FF2B5EF4-FFF2-40B4-BE49-F238E27FC236}">
+                <a16:creationId xmlns:a16="http://schemas.microsoft.com/office/drawing/2014/main" id="{31898C95-7AF7-F104-3CEB-142C151E8629}"/>
+              </a:ext>
+            </a:extLst>
+          </p:cNvPr>
+          <p:cNvSpPr txBox="1"/>
+          <p:nvPr/>
+        </p:nvSpPr>
+        <p:spPr>
+          <a:xfrm>
+            <a:off x="500332" y="1354347"/>
+            <a:ext cx="5257691" cy="1477328"/>
+          </a:xfrm>
+          <a:prstGeom prst="rect">
+            <a:avLst/>
+          </a:prstGeom>
+          <a:noFill/>
+        </p:spPr>
+        <p:txBody>
+          <a:bodyPr wrap="square" rtlCol="0">
+            <a:spAutoFit/>
+          </a:bodyPr>
+          <a:lstStyle/>
+          <a:p>
+            <a:pPr marL="285750" indent="-285750">
+              <a:buFont typeface="Arial" panose="020B0604020202020204" pitchFamily="34" charset="0"/>
+              <a:buChar char="•"/>
+            </a:pPr>
+            <a:r>
+              <a:rPr lang="en-AU" dirty="0"/>
+              <a:t>Mobility between regions shown to be limited</a:t>
+            </a:r>
+            <a:br>
+              <a:rPr lang="en-AU" dirty="0"/>
+            </a:br>
+            <a:r>
+              <a:rPr lang="en-AU" dirty="0"/>
+              <a:t>over the period.</a:t>
+            </a:r>
+          </a:p>
+          <a:p>
+            <a:pPr marL="285750" indent="-285750">
+              <a:buFont typeface="Arial" panose="020B0604020202020204" pitchFamily="34" charset="0"/>
+              <a:buChar char="•"/>
+            </a:pPr>
+            <a:endParaRPr lang="en-AU" dirty="0"/>
+          </a:p>
+          <a:p>
+            <a:pPr marL="285750" indent="-285750">
+              <a:buFont typeface="Arial" panose="020B0604020202020204" pitchFamily="34" charset="0"/>
+              <a:buChar char="•"/>
+            </a:pPr>
+            <a:r>
+              <a:rPr lang="en-AU" dirty="0"/>
+              <a:t>However, the key interest is mobility among </a:t>
+            </a:r>
+            <a:br>
+              <a:rPr lang="en-AU" dirty="0"/>
+            </a:br>
+            <a:r>
+              <a:rPr lang="en-AU" dirty="0"/>
+              <a:t>treated individuals.</a:t>
+            </a:r>
+          </a:p>
+        </p:txBody>
+      </p:sp>
+    </p:spTree>
+    <p:extLst>
+      <p:ext uri="{BB962C8B-B14F-4D97-AF65-F5344CB8AC3E}">
+        <p14:creationId xmlns:p14="http://schemas.microsoft.com/office/powerpoint/2010/main" val="3843256866"/>
+      </p:ext>
+    </p:extLst>
+  </p:cSld>
+  <p:clrMapOvr>
+    <a:masterClrMapping/>
+  </p:clrMapOvr>
+</p:sld>
+</file>
+
+<file path=ppt/slides/slide7.xml><?xml version="1.0" encoding="utf-8"?>
+<p:sld xmlns:a="http://schemas.openxmlformats.org/drawingml/2006/main" xmlns:r="http://schemas.openxmlformats.org/officeDocument/2006/relationships" xmlns:p="http://schemas.openxmlformats.org/presentationml/2006/main">
+  <p:cSld>
+    <p:spTree>
+      <p:nvGrpSpPr>
+        <p:cNvPr id="1" name="">
+          <a:extLst>
+            <a:ext uri="{FF2B5EF4-FFF2-40B4-BE49-F238E27FC236}">
+              <a16:creationId xmlns:a16="http://schemas.microsoft.com/office/drawing/2014/main" id="{FB2D0652-56E8-5F05-1C45-1E7867E35EEF}"/>
+            </a:ext>
+          </a:extLst>
+        </p:cNvPr>
+        <p:cNvGrpSpPr/>
+        <p:nvPr/>
+      </p:nvGrpSpPr>
+      <p:grpSpPr>
+        <a:xfrm>
+          <a:off x="0" y="0"/>
+          <a:ext cx="0" cy="0"/>
+          <a:chOff x="0" y="0"/>
+          <a:chExt cx="0" cy="0"/>
+        </a:xfrm>
+      </p:grpSpPr>
+      <p:sp>
+        <p:nvSpPr>
+          <p:cNvPr id="2" name="Slide Number Placeholder 1">
+            <a:extLst>
+              <a:ext uri="{FF2B5EF4-FFF2-40B4-BE49-F238E27FC236}">
+                <a16:creationId xmlns:a16="http://schemas.microsoft.com/office/drawing/2014/main" id="{5B538FC5-AF64-A5F1-6E75-9752FE574950}"/>
+              </a:ext>
+            </a:extLst>
+          </p:cNvPr>
+          <p:cNvSpPr>
+            <a:spLocks noGrp="1"/>
+          </p:cNvSpPr>
+          <p:nvPr>
+            <p:ph type="sldNum" sz="quarter" idx="10"/>
+          </p:nvPr>
+        </p:nvSpPr>
+        <p:spPr/>
+        <p:txBody>
+          <a:bodyPr/>
+          <a:lstStyle/>
+          <a:p>
+            <a:fld id="{4F9AC08D-23A9-440E-BCB9-AA1E9877CC38}" type="slidenum">
+              <a:rPr lang="en-US" smtClean="0"/>
+              <a:pPr/>
+              <a:t>7</a:t>
+            </a:fld>
+            <a:endParaRPr lang="en-US"/>
+          </a:p>
+        </p:txBody>
+      </p:sp>
+      <p:sp>
+        <p:nvSpPr>
+          <p:cNvPr id="4" name="Title 3">
+            <a:extLst>
+              <a:ext uri="{FF2B5EF4-FFF2-40B4-BE49-F238E27FC236}">
+                <a16:creationId xmlns:a16="http://schemas.microsoft.com/office/drawing/2014/main" id="{6FB45658-B6F9-434E-961A-FAF12D3B08C8}"/>
+              </a:ext>
+            </a:extLst>
+          </p:cNvPr>
+          <p:cNvSpPr>
+            <a:spLocks noGrp="1"/>
+          </p:cNvSpPr>
+          <p:nvPr>
+            <p:ph type="title"/>
+          </p:nvPr>
+        </p:nvSpPr>
+        <p:spPr/>
+        <p:txBody>
+          <a:bodyPr/>
+          <a:lstStyle/>
+          <a:p>
+            <a:r>
+              <a:rPr lang="en-AU" dirty="0"/>
+              <a:t>Minor questions</a:t>
+            </a:r>
+          </a:p>
+        </p:txBody>
+      </p:sp>
+      <p:sp>
+        <p:nvSpPr>
+          <p:cNvPr id="5" name="Text Placeholder 4">
+            <a:extLst>
+              <a:ext uri="{FF2B5EF4-FFF2-40B4-BE49-F238E27FC236}">
+                <a16:creationId xmlns:a16="http://schemas.microsoft.com/office/drawing/2014/main" id="{E65F5985-371E-017C-165A-964F14BF5F86}"/>
+              </a:ext>
+            </a:extLst>
+          </p:cNvPr>
+          <p:cNvSpPr>
+            <a:spLocks noGrp="1"/>
+          </p:cNvSpPr>
+          <p:nvPr>
+            <p:ph type="body" sz="quarter" idx="12"/>
+          </p:nvPr>
+        </p:nvSpPr>
+        <p:spPr/>
+        <p:txBody>
+          <a:bodyPr/>
+          <a:lstStyle/>
+          <a:p>
+            <a:pPr algn="ctr"/>
+            <a:r>
+              <a:rPr lang="en-AU" dirty="0"/>
+              <a:t>XXX</a:t>
+            </a:r>
+          </a:p>
+        </p:txBody>
+      </p:sp>
+      <p:sp>
+        <p:nvSpPr>
+          <p:cNvPr id="3" name="TextBox 2">
+            <a:extLst>
+              <a:ext uri="{FF2B5EF4-FFF2-40B4-BE49-F238E27FC236}">
+                <a16:creationId xmlns:a16="http://schemas.microsoft.com/office/drawing/2014/main" id="{02D6379D-10F5-80F2-E9AD-2F65828EB564}"/>
+              </a:ext>
+            </a:extLst>
+          </p:cNvPr>
+          <p:cNvSpPr txBox="1"/>
+          <p:nvPr/>
+        </p:nvSpPr>
+        <p:spPr>
+          <a:xfrm>
+            <a:off x="707366" y="1500996"/>
+            <a:ext cx="10550106" cy="3139321"/>
+          </a:xfrm>
+          <a:prstGeom prst="rect">
+            <a:avLst/>
+          </a:prstGeom>
+          <a:noFill/>
+        </p:spPr>
+        <p:txBody>
+          <a:bodyPr wrap="square" rtlCol="0">
+            <a:spAutoFit/>
+          </a:bodyPr>
+          <a:lstStyle/>
+          <a:p>
+            <a:pPr marL="285750" indent="-285750">
+              <a:buFont typeface="Arial" panose="020B0604020202020204" pitchFamily="34" charset="0"/>
+              <a:buChar char="•"/>
+            </a:pPr>
+            <a:r>
+              <a:rPr lang="en-AU" dirty="0"/>
+              <a:t>The imputation of wages for non-participants is done via OLS. Heckman selection model an alternative.</a:t>
+            </a:r>
+          </a:p>
+          <a:p>
+            <a:pPr marL="285750" indent="-285750">
+              <a:buFont typeface="Arial" panose="020B0604020202020204" pitchFamily="34" charset="0"/>
+              <a:buChar char="•"/>
+            </a:pPr>
+            <a:endParaRPr lang="en-AU" dirty="0"/>
+          </a:p>
+          <a:p>
+            <a:pPr marL="285750" indent="-285750">
+              <a:buFont typeface="Arial" panose="020B0604020202020204" pitchFamily="34" charset="0"/>
+              <a:buChar char="•"/>
+            </a:pPr>
+            <a:r>
+              <a:rPr lang="en-AU" dirty="0"/>
+              <a:t>Equivalisation of earnings: No standard scale used, and unclear why equivalisation is needed.</a:t>
+            </a:r>
+          </a:p>
+          <a:p>
+            <a:pPr marL="285750" indent="-285750">
+              <a:buFont typeface="Arial" panose="020B0604020202020204" pitchFamily="34" charset="0"/>
+              <a:buChar char="•"/>
+            </a:pPr>
+            <a:endParaRPr lang="en-AU" dirty="0"/>
+          </a:p>
+          <a:p>
+            <a:pPr marL="285750" indent="-285750">
+              <a:buFont typeface="Arial" panose="020B0604020202020204" pitchFamily="34" charset="0"/>
+              <a:buChar char="•"/>
+            </a:pPr>
+            <a:r>
+              <a:rPr lang="en-AU" dirty="0"/>
+              <a:t>Sensitivity to unbalanced panel.</a:t>
+            </a:r>
+          </a:p>
+          <a:p>
+            <a:pPr marL="285750" indent="-285750">
+              <a:buFont typeface="Arial" panose="020B0604020202020204" pitchFamily="34" charset="0"/>
+              <a:buChar char="•"/>
+            </a:pPr>
+            <a:endParaRPr lang="en-AU" dirty="0"/>
+          </a:p>
+          <a:p>
+            <a:pPr marL="285750" indent="-285750">
+              <a:buFont typeface="Arial" panose="020B0604020202020204" pitchFamily="34" charset="0"/>
+              <a:buChar char="•"/>
+            </a:pPr>
+            <a:r>
+              <a:rPr lang="en-AU" dirty="0"/>
+              <a:t>General equilibrium effects (what happens to the level).</a:t>
+            </a:r>
+          </a:p>
+          <a:p>
+            <a:pPr marL="285750" indent="-285750">
+              <a:buFont typeface="Arial" panose="020B0604020202020204" pitchFamily="34" charset="0"/>
+              <a:buChar char="•"/>
+            </a:pPr>
+            <a:endParaRPr lang="en-AU" dirty="0"/>
+          </a:p>
+          <a:p>
+            <a:pPr marL="285750" indent="-285750">
+              <a:buFont typeface="Arial" panose="020B0604020202020204" pitchFamily="34" charset="0"/>
+              <a:buChar char="•"/>
+            </a:pPr>
+            <a:r>
+              <a:rPr lang="en-AU" dirty="0"/>
+              <a:t>There is imperfect take-up, when prior policies had low or full take-up. These changes in treatment status may themselves be informative of behavioural responses.</a:t>
+            </a:r>
+          </a:p>
+        </p:txBody>
+      </p:sp>
+    </p:spTree>
+    <p:extLst>
+      <p:ext uri="{BB962C8B-B14F-4D97-AF65-F5344CB8AC3E}">
+        <p14:creationId xmlns:p14="http://schemas.microsoft.com/office/powerpoint/2010/main" val="3074858860"/>
+      </p:ext>
+    </p:extLst>
+  </p:cSld>
+  <p:clrMapOvr>
+    <a:masterClrMapping/>
+  </p:clrMapOvr>
+</p:sld>
+</file>
+
+<file path=ppt/slides/slide8.xml><?xml version="1.0" encoding="utf-8"?>
+<p:sld xmlns:a="http://schemas.openxmlformats.org/drawingml/2006/main" xmlns:r="http://schemas.openxmlformats.org/officeDocument/2006/relationships" xmlns:p="http://schemas.openxmlformats.org/presentationml/2006/main">
+  <p:cSld>
+    <p:spTree>
+      <p:nvGrpSpPr>
+        <p:cNvPr id="1" name="">
+          <a:extLst>
+            <a:ext uri="{FF2B5EF4-FFF2-40B4-BE49-F238E27FC236}">
+              <a16:creationId xmlns:a16="http://schemas.microsoft.com/office/drawing/2014/main" id="{B38171BC-5CF2-F8CB-E67E-923319AC3527}"/>
+            </a:ext>
+          </a:extLst>
+        </p:cNvPr>
+        <p:cNvGrpSpPr/>
+        <p:nvPr/>
+      </p:nvGrpSpPr>
+      <p:grpSpPr>
+        <a:xfrm>
+          <a:off x="0" y="0"/>
+          <a:ext cx="0" cy="0"/>
+          <a:chOff x="0" y="0"/>
+          <a:chExt cx="0" cy="0"/>
+        </a:xfrm>
+      </p:grpSpPr>
+      <p:sp>
+        <p:nvSpPr>
+          <p:cNvPr id="2" name="Slide Number Placeholder 1">
+            <a:extLst>
+              <a:ext uri="{FF2B5EF4-FFF2-40B4-BE49-F238E27FC236}">
+                <a16:creationId xmlns:a16="http://schemas.microsoft.com/office/drawing/2014/main" id="{6CE7ECE1-4525-9FE4-6EFF-45879A647B37}"/>
+              </a:ext>
+            </a:extLst>
+          </p:cNvPr>
+          <p:cNvSpPr>
+            <a:spLocks noGrp="1"/>
+          </p:cNvSpPr>
+          <p:nvPr>
+            <p:ph type="sldNum" sz="quarter" idx="10"/>
+          </p:nvPr>
+        </p:nvSpPr>
+        <p:spPr/>
+        <p:txBody>
+          <a:bodyPr/>
+          <a:lstStyle/>
+          <a:p>
+            <a:fld id="{4F9AC08D-23A9-440E-BCB9-AA1E9877CC38}" type="slidenum">
+              <a:rPr lang="en-US" smtClean="0"/>
+              <a:pPr/>
+              <a:t>8</a:t>
+            </a:fld>
+            <a:endParaRPr lang="en-US"/>
+          </a:p>
+        </p:txBody>
+      </p:sp>
+      <p:sp>
+        <p:nvSpPr>
+          <p:cNvPr id="4" name="Title 3">
+            <a:extLst>
+              <a:ext uri="{FF2B5EF4-FFF2-40B4-BE49-F238E27FC236}">
+                <a16:creationId xmlns:a16="http://schemas.microsoft.com/office/drawing/2014/main" id="{0A93055B-769C-5449-E847-67A9AA8C6684}"/>
+              </a:ext>
+            </a:extLst>
+          </p:cNvPr>
+          <p:cNvSpPr>
+            <a:spLocks noGrp="1"/>
+          </p:cNvSpPr>
+          <p:nvPr>
+            <p:ph type="title"/>
+          </p:nvPr>
+        </p:nvSpPr>
+        <p:spPr/>
+        <p:txBody>
+          <a:bodyPr/>
+          <a:lstStyle/>
+          <a:p>
+            <a:r>
+              <a:rPr lang="en-AU" dirty="0"/>
+              <a:t>Extra Pictures</a:t>
+            </a:r>
+          </a:p>
+        </p:txBody>
+      </p:sp>
+      <p:sp>
+        <p:nvSpPr>
+          <p:cNvPr id="5" name="Text Placeholder 4">
+            <a:extLst>
+              <a:ext uri="{FF2B5EF4-FFF2-40B4-BE49-F238E27FC236}">
+                <a16:creationId xmlns:a16="http://schemas.microsoft.com/office/drawing/2014/main" id="{0CCD07DA-2D82-D09B-5D7B-50BE73F983E2}"/>
+              </a:ext>
+            </a:extLst>
+          </p:cNvPr>
+          <p:cNvSpPr>
+            <a:spLocks noGrp="1"/>
+          </p:cNvSpPr>
+          <p:nvPr>
+            <p:ph type="body" sz="quarter" idx="12"/>
+          </p:nvPr>
+        </p:nvSpPr>
+        <p:spPr/>
+        <p:txBody>
+          <a:bodyPr/>
+          <a:lstStyle/>
+          <a:p>
+            <a:pPr algn="ctr"/>
+            <a:r>
+              <a:rPr lang="en-AU" dirty="0"/>
+              <a:t>XXX</a:t>
+            </a:r>
+          </a:p>
+        </p:txBody>
+      </p:sp>
+      <p:pic>
+        <p:nvPicPr>
+          <p:cNvPr id="7" name="Picture 6">
+            <a:extLst>
+              <a:ext uri="{FF2B5EF4-FFF2-40B4-BE49-F238E27FC236}">
+                <a16:creationId xmlns:a16="http://schemas.microsoft.com/office/drawing/2014/main" id="{EDD7ED22-FA9A-2198-461A-001D5EE75123}"/>
+              </a:ext>
+            </a:extLst>
+          </p:cNvPr>
+          <p:cNvPicPr>
+            <a:picLocks noChangeAspect="1"/>
+          </p:cNvPicPr>
+          <p:nvPr/>
+        </p:nvPicPr>
+        <p:blipFill>
+          <a:blip r:embed="rId2"/>
+          <a:stretch>
+            <a:fillRect/>
+          </a:stretch>
+        </p:blipFill>
+        <p:spPr>
+          <a:xfrm>
+            <a:off x="435285" y="2262645"/>
+            <a:ext cx="5660715" cy="3102984"/>
+          </a:xfrm>
+          <a:prstGeom prst="rect">
+            <a:avLst/>
+          </a:prstGeom>
+        </p:spPr>
+      </p:pic>
+    </p:spTree>
+    <p:extLst>
+      <p:ext uri="{BB962C8B-B14F-4D97-AF65-F5344CB8AC3E}">
+        <p14:creationId xmlns:p14="http://schemas.microsoft.com/office/powerpoint/2010/main" val="3132210340"/>
       </p:ext>
     </p:extLst>
   </p:cSld>

--- a/e61 Projects/Presentations/Discusant Wage Subsides TTPI Aug 2025.pptx
+++ b/e61 Projects/Presentations/Discusant Wage Subsides TTPI Aug 2025.pptx
@@ -5,25 +5,27 @@
     <p:sldMasterId id="2147483660" r:id="rId4"/>
   </p:sldMasterIdLst>
   <p:notesMasterIdLst>
-    <p:notesMasterId r:id="rId13"/>
+    <p:notesMasterId r:id="rId15"/>
   </p:notesMasterIdLst>
   <p:handoutMasterIdLst>
-    <p:handoutMasterId r:id="rId14"/>
+    <p:handoutMasterId r:id="rId16"/>
   </p:handoutMasterIdLst>
   <p:sldIdLst>
     <p:sldId id="2147140411" r:id="rId5"/>
     <p:sldId id="2147140426" r:id="rId6"/>
     <p:sldId id="2147140427" r:id="rId7"/>
-    <p:sldId id="2147140428" r:id="rId8"/>
-    <p:sldId id="2147140431" r:id="rId9"/>
-    <p:sldId id="2147140430" r:id="rId10"/>
-    <p:sldId id="2147140432" r:id="rId11"/>
-    <p:sldId id="2147140429" r:id="rId12"/>
+    <p:sldId id="2147140433" r:id="rId8"/>
+    <p:sldId id="2147140428" r:id="rId9"/>
+    <p:sldId id="2147140434" r:id="rId10"/>
+    <p:sldId id="2147140431" r:id="rId11"/>
+    <p:sldId id="2147140430" r:id="rId12"/>
+    <p:sldId id="2147140432" r:id="rId13"/>
+    <p:sldId id="2147140429" r:id="rId14"/>
   </p:sldIdLst>
   <p:sldSz cx="12192000" cy="6858000"/>
   <p:notesSz cx="6858000" cy="9144000"/>
   <p:custDataLst>
-    <p:tags r:id="rId15"/>
+    <p:tags r:id="rId17"/>
   </p:custDataLst>
   <p:defaultTextStyle>
     <a:defPPr>
@@ -128,7 +130,9 @@
             <p14:sldId id="2147140411"/>
             <p14:sldId id="2147140426"/>
             <p14:sldId id="2147140427"/>
+            <p14:sldId id="2147140433"/>
             <p14:sldId id="2147140428"/>
+            <p14:sldId id="2147140434"/>
             <p14:sldId id="2147140431"/>
             <p14:sldId id="2147140430"/>
             <p14:sldId id="2147140432"/>
@@ -249,7 +253,7 @@
           <a:p>
             <a:fld id="{60F87968-E7C3-4FA2-86D7-7CFDDCA2896A}" type="datetimeFigureOut">
               <a:rPr lang="en-US" smtClean="0"/>
-              <a:t>7/28/2025</a:t>
+              <a:t>7/29/2025</a:t>
             </a:fld>
             <a:endParaRPr lang="en-US"/>
           </a:p>
@@ -426,7 +430,7 @@
           <a:p>
             <a:fld id="{B416A7BE-E113-476D-8DE0-A6138461ACE1}" type="datetimeFigureOut">
               <a:rPr lang="en-US" smtClean="0"/>
-              <a:t>7/28/2025</a:t>
+              <a:t>7/29/2025</a:t>
             </a:fld>
             <a:endParaRPr lang="en-US"/>
           </a:p>
@@ -19734,6 +19738,159 @@
 </p:sld>
 </file>
 
+<file path=ppt/slides/slide10.xml><?xml version="1.0" encoding="utf-8"?>
+<p:sld xmlns:a="http://schemas.openxmlformats.org/drawingml/2006/main" xmlns:r="http://schemas.openxmlformats.org/officeDocument/2006/relationships" xmlns:p="http://schemas.openxmlformats.org/presentationml/2006/main">
+  <p:cSld>
+    <p:spTree>
+      <p:nvGrpSpPr>
+        <p:cNvPr id="1" name="">
+          <a:extLst>
+            <a:ext uri="{FF2B5EF4-FFF2-40B4-BE49-F238E27FC236}">
+              <a16:creationId xmlns:a16="http://schemas.microsoft.com/office/drawing/2014/main" id="{B38171BC-5CF2-F8CB-E67E-923319AC3527}"/>
+            </a:ext>
+          </a:extLst>
+        </p:cNvPr>
+        <p:cNvGrpSpPr/>
+        <p:nvPr/>
+      </p:nvGrpSpPr>
+      <p:grpSpPr>
+        <a:xfrm>
+          <a:off x="0" y="0"/>
+          <a:ext cx="0" cy="0"/>
+          <a:chOff x="0" y="0"/>
+          <a:chExt cx="0" cy="0"/>
+        </a:xfrm>
+      </p:grpSpPr>
+      <p:sp>
+        <p:nvSpPr>
+          <p:cNvPr id="2" name="Slide Number Placeholder 1">
+            <a:extLst>
+              <a:ext uri="{FF2B5EF4-FFF2-40B4-BE49-F238E27FC236}">
+                <a16:creationId xmlns:a16="http://schemas.microsoft.com/office/drawing/2014/main" id="{6CE7ECE1-4525-9FE4-6EFF-45879A647B37}"/>
+              </a:ext>
+            </a:extLst>
+          </p:cNvPr>
+          <p:cNvSpPr>
+            <a:spLocks noGrp="1"/>
+          </p:cNvSpPr>
+          <p:nvPr>
+            <p:ph type="sldNum" sz="quarter" idx="10"/>
+          </p:nvPr>
+        </p:nvSpPr>
+        <p:spPr/>
+        <p:txBody>
+          <a:bodyPr/>
+          <a:lstStyle/>
+          <a:p>
+            <a:fld id="{4F9AC08D-23A9-440E-BCB9-AA1E9877CC38}" type="slidenum">
+              <a:rPr lang="en-US" smtClean="0"/>
+              <a:pPr/>
+              <a:t>10</a:t>
+            </a:fld>
+            <a:endParaRPr lang="en-US"/>
+          </a:p>
+        </p:txBody>
+      </p:sp>
+      <p:sp>
+        <p:nvSpPr>
+          <p:cNvPr id="4" name="Title 3">
+            <a:extLst>
+              <a:ext uri="{FF2B5EF4-FFF2-40B4-BE49-F238E27FC236}">
+                <a16:creationId xmlns:a16="http://schemas.microsoft.com/office/drawing/2014/main" id="{0A93055B-769C-5449-E847-67A9AA8C6684}"/>
+              </a:ext>
+            </a:extLst>
+          </p:cNvPr>
+          <p:cNvSpPr>
+            <a:spLocks noGrp="1"/>
+          </p:cNvSpPr>
+          <p:nvPr>
+            <p:ph type="title"/>
+          </p:nvPr>
+        </p:nvSpPr>
+        <p:spPr/>
+        <p:txBody>
+          <a:bodyPr/>
+          <a:lstStyle/>
+          <a:p>
+            <a:r>
+              <a:rPr lang="en-AU" dirty="0"/>
+              <a:t>Extra Pictures</a:t>
+            </a:r>
+          </a:p>
+        </p:txBody>
+      </p:sp>
+      <p:sp>
+        <p:nvSpPr>
+          <p:cNvPr id="5" name="Text Placeholder 4">
+            <a:extLst>
+              <a:ext uri="{FF2B5EF4-FFF2-40B4-BE49-F238E27FC236}">
+                <a16:creationId xmlns:a16="http://schemas.microsoft.com/office/drawing/2014/main" id="{0CCD07DA-2D82-D09B-5D7B-50BE73F983E2}"/>
+              </a:ext>
+            </a:extLst>
+          </p:cNvPr>
+          <p:cNvSpPr>
+            <a:spLocks noGrp="1"/>
+          </p:cNvSpPr>
+          <p:nvPr>
+            <p:ph type="body" sz="quarter" idx="12"/>
+          </p:nvPr>
+        </p:nvSpPr>
+        <p:spPr/>
+        <p:txBody>
+          <a:bodyPr/>
+          <a:lstStyle/>
+          <a:p>
+            <a:pPr algn="ctr"/>
+            <a:r>
+              <a:rPr lang="en-AU" dirty="0"/>
+              <a:t>XXX</a:t>
+            </a:r>
+          </a:p>
+        </p:txBody>
+      </p:sp>
+      <p:pic>
+        <p:nvPicPr>
+          <p:cNvPr id="7" name="Picture 6">
+            <a:extLst>
+              <a:ext uri="{FF2B5EF4-FFF2-40B4-BE49-F238E27FC236}">
+                <a16:creationId xmlns:a16="http://schemas.microsoft.com/office/drawing/2014/main" id="{EDD7ED22-FA9A-2198-461A-001D5EE75123}"/>
+              </a:ext>
+            </a:extLst>
+          </p:cNvPr>
+          <p:cNvPicPr>
+            <a:picLocks noChangeAspect="1"/>
+          </p:cNvPicPr>
+          <p:nvPr/>
+        </p:nvPicPr>
+        <p:blipFill>
+          <a:blip r:embed="rId2"/>
+          <a:stretch>
+            <a:fillRect/>
+          </a:stretch>
+        </p:blipFill>
+        <p:spPr>
+          <a:xfrm>
+            <a:off x="435285" y="2262645"/>
+            <a:ext cx="5660715" cy="3102984"/>
+          </a:xfrm>
+          <a:prstGeom prst="rect">
+            <a:avLst/>
+          </a:prstGeom>
+        </p:spPr>
+      </p:pic>
+    </p:spTree>
+    <p:extLst>
+      <p:ext uri="{BB962C8B-B14F-4D97-AF65-F5344CB8AC3E}">
+        <p14:creationId xmlns:p14="http://schemas.microsoft.com/office/powerpoint/2010/main" val="3132210340"/>
+      </p:ext>
+    </p:extLst>
+  </p:cSld>
+  <p:clrMapOvr>
+    <a:masterClrMapping/>
+  </p:clrMapOvr>
+</p:sld>
+</file>
+
 <file path=ppt/slides/slide2.xml><?xml version="1.0" encoding="utf-8"?>
 <p:sld xmlns:a="http://schemas.openxmlformats.org/drawingml/2006/main" xmlns:r="http://schemas.openxmlformats.org/officeDocument/2006/relationships" xmlns:p="http://schemas.openxmlformats.org/presentationml/2006/main">
   <p:cSld>
@@ -20242,6 +20399,250 @@
           </a:p>
         </p:txBody>
       </p:sp>
+      <p:sp>
+        <p:nvSpPr>
+          <p:cNvPr id="3" name="TextBox 2">
+            <a:extLst>
+              <a:ext uri="{FF2B5EF4-FFF2-40B4-BE49-F238E27FC236}">
+                <a16:creationId xmlns:a16="http://schemas.microsoft.com/office/drawing/2014/main" id="{B1FF06FB-D8D9-3749-A0E9-C58026E06869}"/>
+              </a:ext>
+            </a:extLst>
+          </p:cNvPr>
+          <p:cNvSpPr txBox="1"/>
+          <p:nvPr/>
+        </p:nvSpPr>
+        <p:spPr>
+          <a:xfrm>
+            <a:off x="648393" y="1409008"/>
+            <a:ext cx="10146624" cy="923330"/>
+          </a:xfrm>
+          <a:prstGeom prst="rect">
+            <a:avLst/>
+          </a:prstGeom>
+          <a:noFill/>
+        </p:spPr>
+        <p:txBody>
+          <a:bodyPr wrap="none" rtlCol="0">
+            <a:spAutoFit/>
+          </a:bodyPr>
+          <a:lstStyle/>
+          <a:p>
+            <a:r>
+              <a:rPr lang="en-US" b="1" dirty="0"/>
+              <a:t>Shift-share IV approach</a:t>
+            </a:r>
+            <a:r>
+              <a:rPr lang="en-US" dirty="0"/>
+              <a:t>.</a:t>
+            </a:r>
+          </a:p>
+          <a:p>
+            <a:pPr marL="285750" indent="-285750">
+              <a:buFont typeface="Arial" panose="020B0604020202020204" pitchFamily="34" charset="0"/>
+              <a:buChar char="•"/>
+            </a:pPr>
+            <a:r>
+              <a:rPr lang="en-US" dirty="0"/>
+              <a:t>IV an exogenous change in the MTR and PTR due to the policy (at the initial level of earnings).</a:t>
+            </a:r>
+          </a:p>
+          <a:p>
+            <a:pPr marL="285750" indent="-285750">
+              <a:buFont typeface="Arial" panose="020B0604020202020204" pitchFamily="34" charset="0"/>
+              <a:buChar char="•"/>
+            </a:pPr>
+            <a:r>
+              <a:rPr lang="en-US" dirty="0"/>
+              <a:t>Differing intensity by region based on hours-weighted change in tax measure.</a:t>
+            </a:r>
+            <a:endParaRPr lang="en-NZ" dirty="0"/>
+          </a:p>
+        </p:txBody>
+      </p:sp>
+      <p:sp>
+        <p:nvSpPr>
+          <p:cNvPr id="6" name="TextBox 5">
+            <a:extLst>
+              <a:ext uri="{FF2B5EF4-FFF2-40B4-BE49-F238E27FC236}">
+                <a16:creationId xmlns:a16="http://schemas.microsoft.com/office/drawing/2014/main" id="{79F15F2A-0193-920F-3ED7-ABA963DA4C16}"/>
+              </a:ext>
+            </a:extLst>
+          </p:cNvPr>
+          <p:cNvSpPr txBox="1"/>
+          <p:nvPr/>
+        </p:nvSpPr>
+        <p:spPr>
+          <a:xfrm>
+            <a:off x="648393" y="2854037"/>
+            <a:ext cx="8403583" cy="2031325"/>
+          </a:xfrm>
+          <a:prstGeom prst="rect">
+            <a:avLst/>
+          </a:prstGeom>
+          <a:noFill/>
+        </p:spPr>
+        <p:txBody>
+          <a:bodyPr wrap="none" rtlCol="0">
+            <a:spAutoFit/>
+          </a:bodyPr>
+          <a:lstStyle/>
+          <a:p>
+            <a:r>
+              <a:rPr lang="en-US" b="1" dirty="0"/>
+              <a:t>Identification requires</a:t>
+            </a:r>
+            <a:r>
+              <a:rPr lang="en-US" dirty="0"/>
+              <a:t>.</a:t>
+            </a:r>
+          </a:p>
+          <a:p>
+            <a:pPr marL="285750" indent="-285750">
+              <a:buFont typeface="Arial" panose="020B0604020202020204" pitchFamily="34" charset="0"/>
+              <a:buChar char="•"/>
+            </a:pPr>
+            <a:r>
+              <a:rPr lang="en-US" dirty="0"/>
+              <a:t>Conditional quasi-random assignment (exogeneity).</a:t>
+            </a:r>
+          </a:p>
+          <a:p>
+            <a:pPr marL="285750" indent="-285750">
+              <a:buFont typeface="Arial" panose="020B0604020202020204" pitchFamily="34" charset="0"/>
+              <a:buChar char="•"/>
+            </a:pPr>
+            <a:r>
+              <a:rPr lang="en-US" dirty="0"/>
+              <a:t>Socio-economic groups are substitutes in the </a:t>
+            </a:r>
+            <a:r>
+              <a:rPr lang="en-US" dirty="0" err="1"/>
+              <a:t>labour</a:t>
+            </a:r>
+            <a:r>
+              <a:rPr lang="en-US" dirty="0"/>
+              <a:t> market (wage spillovers).</a:t>
+            </a:r>
+          </a:p>
+          <a:p>
+            <a:pPr marL="285750" indent="-285750">
+              <a:buFont typeface="Arial" panose="020B0604020202020204" pitchFamily="34" charset="0"/>
+              <a:buChar char="•"/>
+            </a:pPr>
+            <a:r>
+              <a:rPr lang="en-US" dirty="0"/>
+              <a:t>Local </a:t>
+            </a:r>
+            <a:r>
+              <a:rPr lang="en-US" dirty="0" err="1"/>
+              <a:t>labour</a:t>
+            </a:r>
+            <a:r>
+              <a:rPr lang="en-US" dirty="0"/>
+              <a:t> markets are distinct (limited mobility).</a:t>
+            </a:r>
+          </a:p>
+          <a:p>
+            <a:pPr marL="285750" indent="-285750">
+              <a:buFont typeface="Arial" panose="020B0604020202020204" pitchFamily="34" charset="0"/>
+              <a:buChar char="•"/>
+            </a:pPr>
+            <a:r>
+              <a:rPr lang="en-US" dirty="0"/>
+              <a:t>Many uncorrelated shock clusters.</a:t>
+            </a:r>
+          </a:p>
+          <a:p>
+            <a:pPr marL="285750" indent="-285750">
+              <a:buFont typeface="Arial" panose="020B0604020202020204" pitchFamily="34" charset="0"/>
+              <a:buChar char="•"/>
+            </a:pPr>
+            <a:r>
+              <a:rPr lang="en-US" dirty="0"/>
+              <a:t>Relevance.</a:t>
+            </a:r>
+          </a:p>
+          <a:p>
+            <a:pPr marL="285750" indent="-285750">
+              <a:buFont typeface="Arial" panose="020B0604020202020204" pitchFamily="34" charset="0"/>
+              <a:buChar char="•"/>
+            </a:pPr>
+            <a:endParaRPr lang="en-NZ" dirty="0"/>
+          </a:p>
+        </p:txBody>
+      </p:sp>
+      <p:sp>
+        <p:nvSpPr>
+          <p:cNvPr id="7" name="TextBox 6">
+            <a:extLst>
+              <a:ext uri="{FF2B5EF4-FFF2-40B4-BE49-F238E27FC236}">
+                <a16:creationId xmlns:a16="http://schemas.microsoft.com/office/drawing/2014/main" id="{EE264256-CA0E-E2B2-B618-382362CDA7EC}"/>
+              </a:ext>
+            </a:extLst>
+          </p:cNvPr>
+          <p:cNvSpPr txBox="1"/>
+          <p:nvPr/>
+        </p:nvSpPr>
+        <p:spPr>
+          <a:xfrm>
+            <a:off x="465511" y="5027572"/>
+            <a:ext cx="6312947" cy="369332"/>
+          </a:xfrm>
+          <a:prstGeom prst="rect">
+            <a:avLst/>
+          </a:prstGeom>
+          <a:noFill/>
+        </p:spPr>
+        <p:txBody>
+          <a:bodyPr wrap="none" rtlCol="0">
+            <a:spAutoFit/>
+          </a:bodyPr>
+          <a:lstStyle/>
+          <a:p>
+            <a:r>
+              <a:rPr lang="en-US" b="1" dirty="0"/>
+              <a:t>This is clearly outlined in the paper, and well argued.</a:t>
+            </a:r>
+            <a:endParaRPr lang="en-NZ" b="1" dirty="0"/>
+          </a:p>
+        </p:txBody>
+      </p:sp>
+      <p:sp>
+        <p:nvSpPr>
+          <p:cNvPr id="8" name="TextBox 7">
+            <a:extLst>
+              <a:ext uri="{FF2B5EF4-FFF2-40B4-BE49-F238E27FC236}">
+                <a16:creationId xmlns:a16="http://schemas.microsoft.com/office/drawing/2014/main" id="{32DEF9C3-D15A-D740-C02E-32D6B853B8F1}"/>
+              </a:ext>
+            </a:extLst>
+          </p:cNvPr>
+          <p:cNvSpPr txBox="1"/>
+          <p:nvPr/>
+        </p:nvSpPr>
+        <p:spPr>
+          <a:xfrm>
+            <a:off x="465511" y="5709760"/>
+            <a:ext cx="6618350" cy="369332"/>
+          </a:xfrm>
+          <a:prstGeom prst="rect">
+            <a:avLst/>
+          </a:prstGeom>
+          <a:noFill/>
+        </p:spPr>
+        <p:txBody>
+          <a:bodyPr wrap="none" rtlCol="0">
+            <a:spAutoFit/>
+          </a:bodyPr>
+          <a:lstStyle/>
+          <a:p>
+            <a:r>
+              <a:rPr lang="en-US" dirty="0"/>
+              <a:t>However, have to talk for 10 mins – so here are some thoughts</a:t>
+            </a:r>
+            <a:endParaRPr lang="en-NZ" dirty="0"/>
+          </a:p>
+        </p:txBody>
+      </p:sp>
     </p:spTree>
     <p:extLst>
       <p:ext uri="{BB962C8B-B14F-4D97-AF65-F5344CB8AC3E}">
@@ -20252,10 +20653,425 @@
   <p:clrMapOvr>
     <a:masterClrMapping/>
   </p:clrMapOvr>
+  <p:timing>
+    <p:tnLst>
+      <p:par>
+        <p:cTn id="1" dur="indefinite" restart="never" nodeType="tmRoot">
+          <p:childTnLst>
+            <p:seq concurrent="1" nextAc="seek">
+              <p:cTn id="2" dur="indefinite" nodeType="mainSeq">
+                <p:childTnLst>
+                  <p:par>
+                    <p:cTn id="3" fill="hold">
+                      <p:stCondLst>
+                        <p:cond delay="indefinite"/>
+                      </p:stCondLst>
+                      <p:childTnLst>
+                        <p:par>
+                          <p:cTn id="4" fill="hold">
+                            <p:stCondLst>
+                              <p:cond delay="0"/>
+                            </p:stCondLst>
+                            <p:childTnLst>
+                              <p:par>
+                                <p:cTn id="5" presetID="1" presetClass="entr" presetSubtype="0" fill="hold" grpId="0" nodeType="clickEffect">
+                                  <p:stCondLst>
+                                    <p:cond delay="0"/>
+                                  </p:stCondLst>
+                                  <p:childTnLst>
+                                    <p:set>
+                                      <p:cBhvr>
+                                        <p:cTn id="6" dur="1" fill="hold">
+                                          <p:stCondLst>
+                                            <p:cond delay="0"/>
+                                          </p:stCondLst>
+                                        </p:cTn>
+                                        <p:tgtEl>
+                                          <p:spTgt spid="8"/>
+                                        </p:tgtEl>
+                                        <p:attrNameLst>
+                                          <p:attrName>style.visibility</p:attrName>
+                                        </p:attrNameLst>
+                                      </p:cBhvr>
+                                      <p:to>
+                                        <p:strVal val="visible"/>
+                                      </p:to>
+                                    </p:set>
+                                  </p:childTnLst>
+                                </p:cTn>
+                              </p:par>
+                            </p:childTnLst>
+                          </p:cTn>
+                        </p:par>
+                      </p:childTnLst>
+                    </p:cTn>
+                  </p:par>
+                </p:childTnLst>
+              </p:cTn>
+              <p:prevCondLst>
+                <p:cond evt="onPrev" delay="0">
+                  <p:tgtEl>
+                    <p:sldTgt/>
+                  </p:tgtEl>
+                </p:cond>
+              </p:prevCondLst>
+              <p:nextCondLst>
+                <p:cond evt="onNext" delay="0">
+                  <p:tgtEl>
+                    <p:sldTgt/>
+                  </p:tgtEl>
+                </p:cond>
+              </p:nextCondLst>
+            </p:seq>
+          </p:childTnLst>
+        </p:cTn>
+      </p:par>
+    </p:tnLst>
+    <p:bldLst>
+      <p:bldP spid="8" grpId="0"/>
+    </p:bldLst>
+  </p:timing>
 </p:sld>
 </file>
 
 <file path=ppt/slides/slide4.xml><?xml version="1.0" encoding="utf-8"?>
+<p:sld xmlns:a="http://schemas.openxmlformats.org/drawingml/2006/main" xmlns:r="http://schemas.openxmlformats.org/officeDocument/2006/relationships" xmlns:p="http://schemas.openxmlformats.org/presentationml/2006/main">
+  <p:cSld>
+    <p:spTree>
+      <p:nvGrpSpPr>
+        <p:cNvPr id="1" name="">
+          <a:extLst>
+            <a:ext uri="{FF2B5EF4-FFF2-40B4-BE49-F238E27FC236}">
+              <a16:creationId xmlns:a16="http://schemas.microsoft.com/office/drawing/2014/main" id="{9671A87D-4091-0AC0-1C11-EE9089B4C02B}"/>
+            </a:ext>
+          </a:extLst>
+        </p:cNvPr>
+        <p:cNvGrpSpPr/>
+        <p:nvPr/>
+      </p:nvGrpSpPr>
+      <p:grpSpPr>
+        <a:xfrm>
+          <a:off x="0" y="0"/>
+          <a:ext cx="0" cy="0"/>
+          <a:chOff x="0" y="0"/>
+          <a:chExt cx="0" cy="0"/>
+        </a:xfrm>
+      </p:grpSpPr>
+      <p:sp>
+        <p:nvSpPr>
+          <p:cNvPr id="2" name="Slide Number Placeholder 1">
+            <a:extLst>
+              <a:ext uri="{FF2B5EF4-FFF2-40B4-BE49-F238E27FC236}">
+                <a16:creationId xmlns:a16="http://schemas.microsoft.com/office/drawing/2014/main" id="{2F58F2BF-72B3-DF40-82A7-78317D3BDE8B}"/>
+              </a:ext>
+            </a:extLst>
+          </p:cNvPr>
+          <p:cNvSpPr>
+            <a:spLocks noGrp="1"/>
+          </p:cNvSpPr>
+          <p:nvPr>
+            <p:ph type="sldNum" sz="quarter" idx="10"/>
+          </p:nvPr>
+        </p:nvSpPr>
+        <p:spPr/>
+        <p:txBody>
+          <a:bodyPr/>
+          <a:lstStyle/>
+          <a:p>
+            <a:fld id="{4F9AC08D-23A9-440E-BCB9-AA1E9877CC38}" type="slidenum">
+              <a:rPr lang="en-US" smtClean="0"/>
+              <a:pPr/>
+              <a:t>4</a:t>
+            </a:fld>
+            <a:endParaRPr lang="en-US"/>
+          </a:p>
+        </p:txBody>
+      </p:sp>
+      <p:sp>
+        <p:nvSpPr>
+          <p:cNvPr id="4" name="Title 3">
+            <a:extLst>
+              <a:ext uri="{FF2B5EF4-FFF2-40B4-BE49-F238E27FC236}">
+                <a16:creationId xmlns:a16="http://schemas.microsoft.com/office/drawing/2014/main" id="{03FBA088-3F23-8B07-338C-3F7E22A9D945}"/>
+              </a:ext>
+            </a:extLst>
+          </p:cNvPr>
+          <p:cNvSpPr>
+            <a:spLocks noGrp="1"/>
+          </p:cNvSpPr>
+          <p:nvPr>
+            <p:ph type="title"/>
+          </p:nvPr>
+        </p:nvSpPr>
+        <p:spPr>
+          <a:xfrm>
+            <a:off x="336592" y="586785"/>
+            <a:ext cx="11459365" cy="700597"/>
+          </a:xfrm>
+        </p:spPr>
+        <p:txBody>
+          <a:bodyPr/>
+          <a:lstStyle/>
+          <a:p>
+            <a:r>
+              <a:rPr lang="en-AU" dirty="0"/>
+              <a:t>Potential limitations: Interpretation of the shock variable</a:t>
+            </a:r>
+          </a:p>
+        </p:txBody>
+      </p:sp>
+      <p:sp>
+        <p:nvSpPr>
+          <p:cNvPr id="5" name="Text Placeholder 4">
+            <a:extLst>
+              <a:ext uri="{FF2B5EF4-FFF2-40B4-BE49-F238E27FC236}">
+                <a16:creationId xmlns:a16="http://schemas.microsoft.com/office/drawing/2014/main" id="{F1530A54-AF3E-9A67-3FDD-EFBEC963B786}"/>
+              </a:ext>
+            </a:extLst>
+          </p:cNvPr>
+          <p:cNvSpPr>
+            <a:spLocks noGrp="1"/>
+          </p:cNvSpPr>
+          <p:nvPr>
+            <p:ph type="body" sz="quarter" idx="12"/>
+          </p:nvPr>
+        </p:nvSpPr>
+        <p:spPr/>
+        <p:txBody>
+          <a:bodyPr/>
+          <a:lstStyle/>
+          <a:p>
+            <a:pPr algn="ctr"/>
+            <a:r>
+              <a:rPr lang="en-AU" dirty="0"/>
+              <a:t>XXX</a:t>
+            </a:r>
+          </a:p>
+        </p:txBody>
+      </p:sp>
+      <p:sp>
+        <p:nvSpPr>
+          <p:cNvPr id="12" name="TextBox 11">
+            <a:extLst>
+              <a:ext uri="{FF2B5EF4-FFF2-40B4-BE49-F238E27FC236}">
+                <a16:creationId xmlns:a16="http://schemas.microsoft.com/office/drawing/2014/main" id="{ADFE89CE-9477-657F-0751-8C50092FB3B3}"/>
+              </a:ext>
+            </a:extLst>
+          </p:cNvPr>
+          <p:cNvSpPr txBox="1"/>
+          <p:nvPr/>
+        </p:nvSpPr>
+        <p:spPr>
+          <a:xfrm>
+            <a:off x="295603" y="1088477"/>
+            <a:ext cx="10705382" cy="1200329"/>
+          </a:xfrm>
+          <a:prstGeom prst="rect">
+            <a:avLst/>
+          </a:prstGeom>
+          <a:noFill/>
+        </p:spPr>
+        <p:txBody>
+          <a:bodyPr wrap="square" rtlCol="0">
+            <a:spAutoFit/>
+          </a:bodyPr>
+          <a:lstStyle/>
+          <a:p>
+            <a:r>
+              <a:rPr lang="en-AU" dirty="0"/>
+              <a:t>The simulated shocks are based on the change in tax incentives from their </a:t>
+            </a:r>
+            <a:r>
+              <a:rPr lang="en-AU" b="1" dirty="0"/>
+              <a:t>status quo</a:t>
+            </a:r>
+            <a:r>
+              <a:rPr lang="en-AU" dirty="0"/>
+              <a:t>.</a:t>
+            </a:r>
+          </a:p>
+          <a:p>
+            <a:pPr marL="285750" indent="-285750">
+              <a:buFont typeface="Arial" panose="020B0604020202020204" pitchFamily="34" charset="0"/>
+              <a:buChar char="•"/>
+            </a:pPr>
+            <a:r>
+              <a:rPr lang="en-AU" dirty="0"/>
+              <a:t>Legitimate method to deal with endogeneity in marginal tax rates due to the progressive scale (motivated </a:t>
+            </a:r>
+            <a:r>
+              <a:rPr lang="en-AU" dirty="0" err="1"/>
+              <a:t>wrt</a:t>
+            </a:r>
+            <a:r>
+              <a:rPr lang="en-AU" dirty="0"/>
+              <a:t> ETI literature).</a:t>
+            </a:r>
+          </a:p>
+          <a:p>
+            <a:pPr marL="285750" indent="-285750">
+              <a:buFont typeface="Arial" panose="020B0604020202020204" pitchFamily="34" charset="0"/>
+              <a:buChar char="•"/>
+            </a:pPr>
+            <a:r>
+              <a:rPr lang="en-AU" dirty="0"/>
+              <a:t>But doesn’t account for inframarginal changes in the budget constraint.</a:t>
+            </a:r>
+          </a:p>
+        </p:txBody>
+      </p:sp>
+      <p:pic>
+        <p:nvPicPr>
+          <p:cNvPr id="15" name="Picture 14">
+            <a:extLst>
+              <a:ext uri="{FF2B5EF4-FFF2-40B4-BE49-F238E27FC236}">
+                <a16:creationId xmlns:a16="http://schemas.microsoft.com/office/drawing/2014/main" id="{06601C17-5B4B-238C-A556-C64A738E71E5}"/>
+              </a:ext>
+            </a:extLst>
+          </p:cNvPr>
+          <p:cNvPicPr>
+            <a:picLocks noChangeAspect="1"/>
+          </p:cNvPicPr>
+          <p:nvPr/>
+        </p:nvPicPr>
+        <p:blipFill>
+          <a:blip r:embed="rId2"/>
+          <a:stretch>
+            <a:fillRect/>
+          </a:stretch>
+        </p:blipFill>
+        <p:spPr>
+          <a:xfrm>
+            <a:off x="451584" y="2576921"/>
+            <a:ext cx="4578559" cy="2967668"/>
+          </a:xfrm>
+          <a:prstGeom prst="rect">
+            <a:avLst/>
+          </a:prstGeom>
+        </p:spPr>
+      </p:pic>
+      <p:sp>
+        <p:nvSpPr>
+          <p:cNvPr id="16" name="TextBox 15">
+            <a:extLst>
+              <a:ext uri="{FF2B5EF4-FFF2-40B4-BE49-F238E27FC236}">
+                <a16:creationId xmlns:a16="http://schemas.microsoft.com/office/drawing/2014/main" id="{338D76FC-3A35-5580-1928-A16EEB773543}"/>
+              </a:ext>
+            </a:extLst>
+          </p:cNvPr>
+          <p:cNvSpPr txBox="1"/>
+          <p:nvPr/>
+        </p:nvSpPr>
+        <p:spPr>
+          <a:xfrm>
+            <a:off x="241540" y="5506956"/>
+            <a:ext cx="10705382" cy="369332"/>
+          </a:xfrm>
+          <a:prstGeom prst="rect">
+            <a:avLst/>
+          </a:prstGeom>
+          <a:noFill/>
+        </p:spPr>
+        <p:txBody>
+          <a:bodyPr wrap="square" rtlCol="0">
+            <a:spAutoFit/>
+          </a:bodyPr>
+          <a:lstStyle/>
+          <a:p>
+            <a:r>
+              <a:rPr lang="en-AU" dirty="0"/>
+              <a:t>This type of change is the main shock that occurs in this reform.</a:t>
+            </a:r>
+          </a:p>
+        </p:txBody>
+      </p:sp>
+      <p:pic>
+        <p:nvPicPr>
+          <p:cNvPr id="18" name="Picture 17">
+            <a:extLst>
+              <a:ext uri="{FF2B5EF4-FFF2-40B4-BE49-F238E27FC236}">
+                <a16:creationId xmlns:a16="http://schemas.microsoft.com/office/drawing/2014/main" id="{E044CD51-93E4-4CF9-B497-D21D129ADFEE}"/>
+              </a:ext>
+            </a:extLst>
+          </p:cNvPr>
+          <p:cNvPicPr>
+            <a:picLocks noChangeAspect="1"/>
+          </p:cNvPicPr>
+          <p:nvPr/>
+        </p:nvPicPr>
+        <p:blipFill>
+          <a:blip r:embed="rId3"/>
+          <a:stretch>
+            <a:fillRect/>
+          </a:stretch>
+        </p:blipFill>
+        <p:spPr>
+          <a:xfrm>
+            <a:off x="5746779" y="2658297"/>
+            <a:ext cx="3750512" cy="2773054"/>
+          </a:xfrm>
+          <a:prstGeom prst="rect">
+            <a:avLst/>
+          </a:prstGeom>
+        </p:spPr>
+      </p:pic>
+      <p:sp>
+        <p:nvSpPr>
+          <p:cNvPr id="19" name="TextBox 18">
+            <a:extLst>
+              <a:ext uri="{FF2B5EF4-FFF2-40B4-BE49-F238E27FC236}">
+                <a16:creationId xmlns:a16="http://schemas.microsoft.com/office/drawing/2014/main" id="{FE4565AD-81F1-ED73-8BC5-8A0607471306}"/>
+              </a:ext>
+            </a:extLst>
+          </p:cNvPr>
+          <p:cNvSpPr txBox="1"/>
+          <p:nvPr/>
+        </p:nvSpPr>
+        <p:spPr>
+          <a:xfrm>
+            <a:off x="241540" y="5978605"/>
+            <a:ext cx="10705382" cy="646331"/>
+          </a:xfrm>
+          <a:prstGeom prst="rect">
+            <a:avLst/>
+          </a:prstGeom>
+          <a:noFill/>
+        </p:spPr>
+        <p:txBody>
+          <a:bodyPr wrap="square" rtlCol="0">
+            <a:spAutoFit/>
+          </a:bodyPr>
+          <a:lstStyle/>
+          <a:p>
+            <a:r>
+              <a:rPr lang="en-AU" dirty="0"/>
+              <a:t>Will characterise individuals with significant extensive margin incentive as having none, and potentially the opposite. </a:t>
+            </a:r>
+            <a:r>
+              <a:rPr lang="en-AU" b="1" dirty="0"/>
+              <a:t>Sensitivity</a:t>
+            </a:r>
+            <a:r>
+              <a:rPr lang="en-AU" dirty="0"/>
+              <a:t>: “Reverse reform” approach.</a:t>
+            </a:r>
+          </a:p>
+        </p:txBody>
+      </p:sp>
+    </p:spTree>
+    <p:extLst>
+      <p:ext uri="{BB962C8B-B14F-4D97-AF65-F5344CB8AC3E}">
+        <p14:creationId xmlns:p14="http://schemas.microsoft.com/office/powerpoint/2010/main" val="1429960770"/>
+      </p:ext>
+    </p:extLst>
+  </p:cSld>
+  <p:clrMapOvr>
+    <a:masterClrMapping/>
+  </p:clrMapOvr>
+</p:sld>
+</file>
+
+<file path=ppt/slides/slide5.xml><?xml version="1.0" encoding="utf-8"?>
 <p:sld xmlns:a="http://schemas.openxmlformats.org/drawingml/2006/main" xmlns:r="http://schemas.openxmlformats.org/officeDocument/2006/relationships" xmlns:p="http://schemas.openxmlformats.org/presentationml/2006/main">
   <p:cSld>
     <p:spTree>
@@ -20302,7 +21118,7 @@
             <a:fld id="{4F9AC08D-23A9-440E-BCB9-AA1E9877CC38}" type="slidenum">
               <a:rPr lang="en-US" smtClean="0"/>
               <a:pPr/>
-              <a:t>4</a:t>
+              <a:t>5</a:t>
             </a:fld>
             <a:endParaRPr lang="en-US"/>
           </a:p>
@@ -20324,7 +21140,12 @@
             <p:ph type="title"/>
           </p:nvPr>
         </p:nvSpPr>
-        <p:spPr/>
+        <p:spPr>
+          <a:xfrm>
+            <a:off x="336592" y="586785"/>
+            <a:ext cx="11459365" cy="700597"/>
+          </a:xfrm>
+        </p:spPr>
         <p:txBody>
           <a:bodyPr/>
           <a:lstStyle/>
@@ -20379,8 +21200,8 @@
         </p:nvSpPr>
         <p:spPr>
           <a:xfrm>
-            <a:off x="444640" y="1157731"/>
-            <a:ext cx="10705382" cy="1200329"/>
+            <a:off x="370417" y="1145262"/>
+            <a:ext cx="10705382" cy="646331"/>
           </a:xfrm>
           <a:prstGeom prst="rect">
             <a:avLst/>
@@ -20395,34 +21216,20 @@
           <a:p>
             <a:r>
               <a:rPr lang="en-AU" dirty="0"/>
-              <a:t>Two regions could have the same shock with two very different patterns of treatment.</a:t>
+              <a:t>Furthermore, two regions could have the same shock with two very different patterns of treatment.</a:t>
             </a:r>
           </a:p>
           <a:p>
             <a:endParaRPr lang="en-AU" dirty="0"/>
           </a:p>
-          <a:p>
-            <a:r>
-              <a:rPr lang="en-AU" dirty="0"/>
-              <a:t>e.g. Two regions with 10 people, A and B. In region A 10 people see net PTR fall by 1%, in region B 1 person sees it fall by 10%. </a:t>
-            </a:r>
-            <a:r>
-              <a:rPr lang="en-AU" b="1" dirty="0"/>
-              <a:t>Both regions have the same shock</a:t>
-            </a:r>
-            <a:r>
-              <a:rPr lang="en-AU" dirty="0"/>
-              <a:t>.</a:t>
-            </a:r>
-          </a:p>
-        </p:txBody>
-      </p:sp>
-      <p:sp>
-        <p:nvSpPr>
-          <p:cNvPr id="7" name="TextBox 6">
-            <a:extLst>
-              <a:ext uri="{FF2B5EF4-FFF2-40B4-BE49-F238E27FC236}">
-                <a16:creationId xmlns:a16="http://schemas.microsoft.com/office/drawing/2014/main" id="{EE1A66D0-9E2B-1425-0236-2085C3A826F0}"/>
+        </p:txBody>
+      </p:sp>
+      <p:sp>
+        <p:nvSpPr>
+          <p:cNvPr id="6" name="TextBox 5">
+            <a:extLst>
+              <a:ext uri="{FF2B5EF4-FFF2-40B4-BE49-F238E27FC236}">
+                <a16:creationId xmlns:a16="http://schemas.microsoft.com/office/drawing/2014/main" id="{8B1CE832-6631-4AA0-09FF-75852E573E85}"/>
               </a:ext>
             </a:extLst>
           </p:cNvPr>
@@ -20431,8 +21238,8 @@
         </p:nvSpPr>
         <p:spPr>
           <a:xfrm>
-            <a:off x="444640" y="3292439"/>
-            <a:ext cx="10705382" cy="2031325"/>
+            <a:off x="336591" y="3086699"/>
+            <a:ext cx="10705382" cy="369332"/>
           </a:xfrm>
           <a:prstGeom prst="rect">
             <a:avLst/>
@@ -20447,54 +21254,21 @@
           <a:p>
             <a:r>
               <a:rPr lang="en-AU" b="1" dirty="0"/>
-              <a:t>Participation rate concern</a:t>
+              <a:t>Sensitivity</a:t>
             </a:r>
             <a:r>
               <a:rPr lang="en-AU" dirty="0"/>
-              <a:t>: </a:t>
-            </a:r>
-          </a:p>
-          <a:p>
-            <a:pPr marL="342900" indent="-342900">
-              <a:buFont typeface="+mj-lt"/>
-              <a:buAutoNum type="arabicPeriod"/>
-            </a:pPr>
-            <a:r>
-              <a:rPr lang="en-AU" dirty="0"/>
-              <a:t>Take the individual who receives the largest hour-weighted treatment. On the substitution margin their MTR is unchanged, but the income effect will lower their work incentives. </a:t>
-            </a:r>
-          </a:p>
-          <a:p>
-            <a:pPr marL="342900" indent="-342900">
-              <a:buFont typeface="+mj-lt"/>
-              <a:buAutoNum type="arabicPeriod"/>
-            </a:pPr>
-            <a:r>
-              <a:rPr lang="en-AU" dirty="0"/>
-              <a:t>Take an unemployed individual.  On the substitution margin the MTR is lower, and there is no income effect.</a:t>
-            </a:r>
-          </a:p>
-          <a:p>
-            <a:pPr marL="342900" indent="-342900">
-              <a:buFont typeface="+mj-lt"/>
-              <a:buAutoNum type="arabicPeriod"/>
-            </a:pPr>
-            <a:endParaRPr lang="en-AU" dirty="0"/>
-          </a:p>
-          <a:p>
-            <a:r>
-              <a:rPr lang="en-AU" dirty="0"/>
-              <a:t>However, this instrument would treat the former as treated and the later as untreated.</a:t>
-            </a:r>
-          </a:p>
-        </p:txBody>
-      </p:sp>
-      <p:sp>
-        <p:nvSpPr>
-          <p:cNvPr id="8" name="TextBox 7">
-            <a:extLst>
-              <a:ext uri="{FF2B5EF4-FFF2-40B4-BE49-F238E27FC236}">
-                <a16:creationId xmlns:a16="http://schemas.microsoft.com/office/drawing/2014/main" id="{ADFE89CE-9477-657F-0751-8C50092FB3B3}"/>
+              <a:t>: Alternative weighting.</a:t>
+            </a:r>
+          </a:p>
+        </p:txBody>
+      </p:sp>
+      <p:sp>
+        <p:nvSpPr>
+          <p:cNvPr id="11" name="TextBox 10">
+            <a:extLst>
+              <a:ext uri="{FF2B5EF4-FFF2-40B4-BE49-F238E27FC236}">
+                <a16:creationId xmlns:a16="http://schemas.microsoft.com/office/drawing/2014/main" id="{A509B40D-FD93-8C5E-60F7-8E5100D694B9}"/>
               </a:ext>
             </a:extLst>
           </p:cNvPr>
@@ -20503,8 +21277,75 @@
         </p:nvSpPr>
         <p:spPr>
           <a:xfrm>
-            <a:off x="444640" y="2676299"/>
-            <a:ext cx="10705382" cy="369332"/>
+            <a:off x="336591" y="1839860"/>
+            <a:ext cx="9568023" cy="923330"/>
+          </a:xfrm>
+          <a:prstGeom prst="rect">
+            <a:avLst/>
+          </a:prstGeom>
+          <a:noFill/>
+        </p:spPr>
+        <p:txBody>
+          <a:bodyPr wrap="square">
+            <a:spAutoFit/>
+          </a:bodyPr>
+          <a:lstStyle/>
+          <a:p>
+            <a:r>
+              <a:rPr lang="en-AU" dirty="0"/>
+              <a:t>Two regions with 10 people of same SD characteristics, A and B. In </a:t>
+            </a:r>
+            <a:r>
+              <a:rPr lang="en-AU" dirty="0">
+                <a:solidFill>
+                  <a:schemeClr val="accent2"/>
+                </a:solidFill>
+              </a:rPr>
+              <a:t>region A 10 people see net PTR fall by 1%</a:t>
+            </a:r>
+            <a:r>
+              <a:rPr lang="en-AU" dirty="0"/>
+              <a:t>, in </a:t>
+            </a:r>
+            <a:r>
+              <a:rPr lang="en-AU" dirty="0">
+                <a:solidFill>
+                  <a:schemeClr val="accent4"/>
+                </a:solidFill>
+              </a:rPr>
+              <a:t>region B 1 person sees it fall by 10%</a:t>
+            </a:r>
+            <a:r>
+              <a:rPr lang="en-AU" dirty="0"/>
+              <a:t>. </a:t>
+            </a:r>
+            <a:r>
+              <a:rPr lang="en-AU" b="1" dirty="0"/>
+              <a:t>Both regions have the same shock</a:t>
+            </a:r>
+            <a:r>
+              <a:rPr lang="en-AU" dirty="0"/>
+              <a:t>.</a:t>
+            </a:r>
+          </a:p>
+        </p:txBody>
+      </p:sp>
+      <p:sp>
+        <p:nvSpPr>
+          <p:cNvPr id="14" name="TextBox 13">
+            <a:extLst>
+              <a:ext uri="{FF2B5EF4-FFF2-40B4-BE49-F238E27FC236}">
+                <a16:creationId xmlns:a16="http://schemas.microsoft.com/office/drawing/2014/main" id="{F0185E05-A7C7-79E9-1271-FF8FA294742C}"/>
+              </a:ext>
+            </a:extLst>
+          </p:cNvPr>
+          <p:cNvSpPr txBox="1"/>
+          <p:nvPr/>
+        </p:nvSpPr>
+        <p:spPr>
+          <a:xfrm>
+            <a:off x="336591" y="4058296"/>
+            <a:ext cx="10705382" cy="1200329"/>
           </a:xfrm>
           <a:prstGeom prst="rect">
             <a:avLst/>
@@ -20519,50 +21360,43 @@
           <a:p>
             <a:r>
               <a:rPr lang="en-AU" dirty="0"/>
-              <a:t>Furthermore, the simulated shocks are based on the change in tax incentives from their status quo.</a:t>
-            </a:r>
-          </a:p>
-        </p:txBody>
-      </p:sp>
-      <p:sp>
-        <p:nvSpPr>
-          <p:cNvPr id="9" name="TextBox 8">
-            <a:extLst>
-              <a:ext uri="{FF2B5EF4-FFF2-40B4-BE49-F238E27FC236}">
-                <a16:creationId xmlns:a16="http://schemas.microsoft.com/office/drawing/2014/main" id="{F0C36244-1902-57C5-DC54-60117A02B9C6}"/>
-              </a:ext>
-            </a:extLst>
-          </p:cNvPr>
-          <p:cNvSpPr txBox="1"/>
-          <p:nvPr/>
-        </p:nvSpPr>
-        <p:spPr>
-          <a:xfrm>
-            <a:off x="444640" y="5638830"/>
-            <a:ext cx="10705382" cy="369332"/>
-          </a:xfrm>
-          <a:prstGeom prst="rect">
-            <a:avLst/>
-          </a:prstGeom>
-          <a:noFill/>
-        </p:spPr>
-        <p:txBody>
-          <a:bodyPr wrap="square" rtlCol="0">
-            <a:spAutoFit/>
-          </a:bodyPr>
-          <a:lstStyle/>
-          <a:p>
+              <a:t>However, given the shift share design the instrument does not need to be perfect. So these points do not threaten the core result – and likely suggests the effects are attenuated.</a:t>
+            </a:r>
+          </a:p>
+          <a:p>
+            <a:pPr marL="285750" indent="-285750">
+              <a:buFont typeface="Arial" panose="020B0604020202020204" pitchFamily="34" charset="0"/>
+              <a:buChar char="•"/>
+            </a:pPr>
             <a:r>
               <a:rPr lang="en-AU" dirty="0"/>
-              <a:t>This </a:t>
+              <a:t>Instrument is </a:t>
             </a:r>
             <a:r>
               <a:rPr lang="en-AU" b="1" dirty="0"/>
-              <a:t>is addressed</a:t>
+              <a:t>exogenous</a:t>
             </a:r>
             <a:r>
               <a:rPr lang="en-AU" dirty="0"/>
-              <a:t> by imputing their income based on characteristics to estimate a treatment intensity.</a:t>
+              <a:t>.</a:t>
+            </a:r>
+          </a:p>
+          <a:p>
+            <a:pPr marL="285750" indent="-285750">
+              <a:buFont typeface="Arial" panose="020B0604020202020204" pitchFamily="34" charset="0"/>
+              <a:buChar char="•"/>
+            </a:pPr>
+            <a:r>
+              <a:rPr lang="en-AU" dirty="0"/>
+              <a:t>Instrument has been shown to be relevant in the </a:t>
+            </a:r>
+            <a:r>
+              <a:rPr lang="en-AU" b="1" dirty="0"/>
+              <a:t>PTR case</a:t>
+            </a:r>
+            <a:r>
+              <a:rPr lang="en-AU" dirty="0"/>
+              <a:t>.</a:t>
             </a:r>
           </a:p>
         </p:txBody>
@@ -20580,7 +21414,469 @@
 </p:sld>
 </file>
 
-<file path=ppt/slides/slide5.xml><?xml version="1.0" encoding="utf-8"?>
+<file path=ppt/slides/slide6.xml><?xml version="1.0" encoding="utf-8"?>
+<p:sld xmlns:a="http://schemas.openxmlformats.org/drawingml/2006/main" xmlns:r="http://schemas.openxmlformats.org/officeDocument/2006/relationships" xmlns:p="http://schemas.openxmlformats.org/presentationml/2006/main" show="0">
+  <p:cSld>
+    <p:spTree>
+      <p:nvGrpSpPr>
+        <p:cNvPr id="1" name="">
+          <a:extLst>
+            <a:ext uri="{FF2B5EF4-FFF2-40B4-BE49-F238E27FC236}">
+              <a16:creationId xmlns:a16="http://schemas.microsoft.com/office/drawing/2014/main" id="{ED35BF3B-3D80-B09B-566A-2DAE8C1CBCB8}"/>
+            </a:ext>
+          </a:extLst>
+        </p:cNvPr>
+        <p:cNvGrpSpPr/>
+        <p:nvPr/>
+      </p:nvGrpSpPr>
+      <p:grpSpPr>
+        <a:xfrm>
+          <a:off x="0" y="0"/>
+          <a:ext cx="0" cy="0"/>
+          <a:chOff x="0" y="0"/>
+          <a:chExt cx="0" cy="0"/>
+        </a:xfrm>
+      </p:grpSpPr>
+      <p:sp>
+        <p:nvSpPr>
+          <p:cNvPr id="2" name="Slide Number Placeholder 1">
+            <a:extLst>
+              <a:ext uri="{FF2B5EF4-FFF2-40B4-BE49-F238E27FC236}">
+                <a16:creationId xmlns:a16="http://schemas.microsoft.com/office/drawing/2014/main" id="{534E804B-A768-CA95-5E4A-D9B80812AD04}"/>
+              </a:ext>
+            </a:extLst>
+          </p:cNvPr>
+          <p:cNvSpPr>
+            <a:spLocks noGrp="1"/>
+          </p:cNvSpPr>
+          <p:nvPr>
+            <p:ph type="sldNum" sz="quarter" idx="10"/>
+          </p:nvPr>
+        </p:nvSpPr>
+        <p:spPr/>
+        <p:txBody>
+          <a:bodyPr/>
+          <a:lstStyle/>
+          <a:p>
+            <a:fld id="{4F9AC08D-23A9-440E-BCB9-AA1E9877CC38}" type="slidenum">
+              <a:rPr lang="en-US" smtClean="0"/>
+              <a:pPr/>
+              <a:t>6</a:t>
+            </a:fld>
+            <a:endParaRPr lang="en-US"/>
+          </a:p>
+        </p:txBody>
+      </p:sp>
+      <p:sp>
+        <p:nvSpPr>
+          <p:cNvPr id="4" name="Title 3">
+            <a:extLst>
+              <a:ext uri="{FF2B5EF4-FFF2-40B4-BE49-F238E27FC236}">
+                <a16:creationId xmlns:a16="http://schemas.microsoft.com/office/drawing/2014/main" id="{17CE411B-F17A-2876-E781-9FE498831877}"/>
+              </a:ext>
+            </a:extLst>
+          </p:cNvPr>
+          <p:cNvSpPr>
+            <a:spLocks noGrp="1"/>
+          </p:cNvSpPr>
+          <p:nvPr>
+            <p:ph type="title"/>
+          </p:nvPr>
+        </p:nvSpPr>
+        <p:spPr>
+          <a:xfrm>
+            <a:off x="336592" y="586785"/>
+            <a:ext cx="11459365" cy="700597"/>
+          </a:xfrm>
+        </p:spPr>
+        <p:txBody>
+          <a:bodyPr/>
+          <a:lstStyle/>
+          <a:p>
+            <a:r>
+              <a:rPr lang="en-AU" dirty="0"/>
+              <a:t>Potential limitations: Interpretation of the shock variable</a:t>
+            </a:r>
+          </a:p>
+        </p:txBody>
+      </p:sp>
+      <p:sp>
+        <p:nvSpPr>
+          <p:cNvPr id="5" name="Text Placeholder 4">
+            <a:extLst>
+              <a:ext uri="{FF2B5EF4-FFF2-40B4-BE49-F238E27FC236}">
+                <a16:creationId xmlns:a16="http://schemas.microsoft.com/office/drawing/2014/main" id="{C635C4CC-A97C-A1C1-EE2C-034D19B6E53E}"/>
+              </a:ext>
+            </a:extLst>
+          </p:cNvPr>
+          <p:cNvSpPr>
+            <a:spLocks noGrp="1"/>
+          </p:cNvSpPr>
+          <p:nvPr>
+            <p:ph type="body" sz="quarter" idx="12"/>
+          </p:nvPr>
+        </p:nvSpPr>
+        <p:spPr/>
+        <p:txBody>
+          <a:bodyPr/>
+          <a:lstStyle/>
+          <a:p>
+            <a:pPr algn="ctr"/>
+            <a:r>
+              <a:rPr lang="en-AU" dirty="0"/>
+              <a:t>XXX</a:t>
+            </a:r>
+          </a:p>
+        </p:txBody>
+      </p:sp>
+      <p:sp>
+        <p:nvSpPr>
+          <p:cNvPr id="10" name="TextBox 9">
+            <a:extLst>
+              <a:ext uri="{FF2B5EF4-FFF2-40B4-BE49-F238E27FC236}">
+                <a16:creationId xmlns:a16="http://schemas.microsoft.com/office/drawing/2014/main" id="{C9C0CC66-80BB-5508-403E-E089DAA17446}"/>
+              </a:ext>
+            </a:extLst>
+          </p:cNvPr>
+          <p:cNvSpPr txBox="1"/>
+          <p:nvPr/>
+        </p:nvSpPr>
+        <p:spPr>
+          <a:xfrm>
+            <a:off x="370417" y="1656829"/>
+            <a:ext cx="10705382" cy="2031325"/>
+          </a:xfrm>
+          <a:prstGeom prst="rect">
+            <a:avLst/>
+          </a:prstGeom>
+          <a:noFill/>
+        </p:spPr>
+        <p:txBody>
+          <a:bodyPr wrap="square" rtlCol="0">
+            <a:spAutoFit/>
+          </a:bodyPr>
+          <a:lstStyle/>
+          <a:p>
+            <a:r>
+              <a:rPr lang="en-AU" b="1" dirty="0"/>
+              <a:t>Participation rate concern</a:t>
+            </a:r>
+            <a:r>
+              <a:rPr lang="en-AU" dirty="0"/>
+              <a:t>: </a:t>
+            </a:r>
+          </a:p>
+          <a:p>
+            <a:pPr marL="342900" indent="-342900">
+              <a:buFont typeface="+mj-lt"/>
+              <a:buAutoNum type="arabicPeriod"/>
+            </a:pPr>
+            <a:r>
+              <a:rPr lang="en-AU" dirty="0"/>
+              <a:t>Take the individual who receives the largest hour-weighted treatment. On the substitution margin their MTR is unchanged, but the income effect will lower their work incentives. </a:t>
+            </a:r>
+          </a:p>
+          <a:p>
+            <a:pPr marL="342900" indent="-342900">
+              <a:buFont typeface="+mj-lt"/>
+              <a:buAutoNum type="arabicPeriod"/>
+            </a:pPr>
+            <a:r>
+              <a:rPr lang="en-AU" dirty="0"/>
+              <a:t>Take an unemployed individual.  On the substitution margin the MTR is lower, and there is no income effect.</a:t>
+            </a:r>
+          </a:p>
+          <a:p>
+            <a:pPr marL="342900" indent="-342900">
+              <a:buFont typeface="+mj-lt"/>
+              <a:buAutoNum type="arabicPeriod"/>
+            </a:pPr>
+            <a:endParaRPr lang="en-AU" dirty="0"/>
+          </a:p>
+          <a:p>
+            <a:r>
+              <a:rPr lang="en-AU" dirty="0"/>
+              <a:t>However, this instrument would treat the former as treated and the later as untreated.</a:t>
+            </a:r>
+          </a:p>
+        </p:txBody>
+      </p:sp>
+      <p:sp>
+        <p:nvSpPr>
+          <p:cNvPr id="11" name="TextBox 10">
+            <a:extLst>
+              <a:ext uri="{FF2B5EF4-FFF2-40B4-BE49-F238E27FC236}">
+                <a16:creationId xmlns:a16="http://schemas.microsoft.com/office/drawing/2014/main" id="{666282E4-8DB4-834F-D970-F57F11223594}"/>
+              </a:ext>
+            </a:extLst>
+          </p:cNvPr>
+          <p:cNvSpPr txBox="1"/>
+          <p:nvPr/>
+        </p:nvSpPr>
+        <p:spPr>
+          <a:xfrm>
+            <a:off x="336592" y="3925948"/>
+            <a:ext cx="11171806" cy="646331"/>
+          </a:xfrm>
+          <a:prstGeom prst="rect">
+            <a:avLst/>
+          </a:prstGeom>
+          <a:noFill/>
+        </p:spPr>
+        <p:txBody>
+          <a:bodyPr wrap="square" rtlCol="0">
+            <a:spAutoFit/>
+          </a:bodyPr>
+          <a:lstStyle/>
+          <a:p>
+            <a:r>
+              <a:rPr lang="en-AU" dirty="0"/>
+              <a:t>Second issue </a:t>
+            </a:r>
+            <a:r>
+              <a:rPr lang="en-AU" b="1" dirty="0"/>
+              <a:t>is addressed</a:t>
+            </a:r>
+            <a:r>
+              <a:rPr lang="en-AU" dirty="0"/>
+              <a:t> by imputing their income based on characteristics to estimate a treatment intensity (add sensitivity to imputation and selection). But the uncertain relation to work incentives remains.</a:t>
+            </a:r>
+          </a:p>
+        </p:txBody>
+      </p:sp>
+      <p:sp>
+        <p:nvSpPr>
+          <p:cNvPr id="12" name="TextBox 11">
+            <a:extLst>
+              <a:ext uri="{FF2B5EF4-FFF2-40B4-BE49-F238E27FC236}">
+                <a16:creationId xmlns:a16="http://schemas.microsoft.com/office/drawing/2014/main" id="{2297765F-ECEA-8082-A41E-B86760B6A276}"/>
+              </a:ext>
+            </a:extLst>
+          </p:cNvPr>
+          <p:cNvSpPr txBox="1"/>
+          <p:nvPr/>
+        </p:nvSpPr>
+        <p:spPr>
+          <a:xfrm>
+            <a:off x="274821" y="1155844"/>
+            <a:ext cx="10705382" cy="369332"/>
+          </a:xfrm>
+          <a:prstGeom prst="rect">
+            <a:avLst/>
+          </a:prstGeom>
+          <a:noFill/>
+        </p:spPr>
+        <p:txBody>
+          <a:bodyPr wrap="square" rtlCol="0">
+            <a:spAutoFit/>
+          </a:bodyPr>
+          <a:lstStyle/>
+          <a:p>
+            <a:r>
+              <a:rPr lang="en-AU" dirty="0"/>
+              <a:t>Furthermore, the simulated shocks are based on the change in tax incentives from their status quo.</a:t>
+            </a:r>
+          </a:p>
+        </p:txBody>
+      </p:sp>
+      <p:sp>
+        <p:nvSpPr>
+          <p:cNvPr id="13" name="TextBox 12">
+            <a:extLst>
+              <a:ext uri="{FF2B5EF4-FFF2-40B4-BE49-F238E27FC236}">
+                <a16:creationId xmlns:a16="http://schemas.microsoft.com/office/drawing/2014/main" id="{4127F00C-2848-86E9-D266-CB7B75025807}"/>
+              </a:ext>
+            </a:extLst>
+          </p:cNvPr>
+          <p:cNvSpPr txBox="1"/>
+          <p:nvPr/>
+        </p:nvSpPr>
+        <p:spPr>
+          <a:xfrm>
+            <a:off x="336592" y="4932644"/>
+            <a:ext cx="10705382" cy="369332"/>
+          </a:xfrm>
+          <a:prstGeom prst="rect">
+            <a:avLst/>
+          </a:prstGeom>
+          <a:noFill/>
+        </p:spPr>
+        <p:txBody>
+          <a:bodyPr wrap="square" rtlCol="0">
+            <a:spAutoFit/>
+          </a:bodyPr>
+          <a:lstStyle/>
+          <a:p>
+            <a:r>
+              <a:rPr lang="en-AU" b="1" dirty="0"/>
+              <a:t>Sensitivity</a:t>
+            </a:r>
+            <a:r>
+              <a:rPr lang="en-AU" dirty="0"/>
+              <a:t>: “Reverse policy” status quo.</a:t>
+            </a:r>
+          </a:p>
+        </p:txBody>
+      </p:sp>
+      <p:sp>
+        <p:nvSpPr>
+          <p:cNvPr id="3" name="TextBox 2">
+            <a:extLst>
+              <a:ext uri="{FF2B5EF4-FFF2-40B4-BE49-F238E27FC236}">
+                <a16:creationId xmlns:a16="http://schemas.microsoft.com/office/drawing/2014/main" id="{50D9F34D-0319-E9C1-0279-D990DC66F98B}"/>
+              </a:ext>
+            </a:extLst>
+          </p:cNvPr>
+          <p:cNvSpPr txBox="1"/>
+          <p:nvPr/>
+        </p:nvSpPr>
+        <p:spPr>
+          <a:xfrm>
+            <a:off x="336592" y="5869170"/>
+            <a:ext cx="10705382" cy="369332"/>
+          </a:xfrm>
+          <a:prstGeom prst="rect">
+            <a:avLst/>
+          </a:prstGeom>
+          <a:noFill/>
+        </p:spPr>
+        <p:txBody>
+          <a:bodyPr wrap="square" rtlCol="0">
+            <a:spAutoFit/>
+          </a:bodyPr>
+          <a:lstStyle/>
+          <a:p>
+            <a:r>
+              <a:rPr lang="en-AU" b="1" dirty="0"/>
+              <a:t>Note: </a:t>
+            </a:r>
+            <a:r>
+              <a:rPr lang="en-AU" dirty="0"/>
+              <a:t>Not to relevant, can speak to on slide 4 without showing.</a:t>
+            </a:r>
+          </a:p>
+        </p:txBody>
+      </p:sp>
+    </p:spTree>
+    <p:extLst>
+      <p:ext uri="{BB962C8B-B14F-4D97-AF65-F5344CB8AC3E}">
+        <p14:creationId xmlns:p14="http://schemas.microsoft.com/office/powerpoint/2010/main" val="3794574795"/>
+      </p:ext>
+    </p:extLst>
+  </p:cSld>
+  <p:clrMapOvr>
+    <a:masterClrMapping/>
+  </p:clrMapOvr>
+  <p:timing>
+    <p:tnLst>
+      <p:par>
+        <p:cTn id="1" dur="indefinite" restart="never" nodeType="tmRoot">
+          <p:childTnLst>
+            <p:seq concurrent="1" nextAc="seek">
+              <p:cTn id="2" dur="indefinite" nodeType="mainSeq">
+                <p:childTnLst>
+                  <p:par>
+                    <p:cTn id="3" fill="hold">
+                      <p:stCondLst>
+                        <p:cond delay="indefinite"/>
+                      </p:stCondLst>
+                      <p:childTnLst>
+                        <p:par>
+                          <p:cTn id="4" fill="hold">
+                            <p:stCondLst>
+                              <p:cond delay="0"/>
+                            </p:stCondLst>
+                            <p:childTnLst>
+                              <p:par>
+                                <p:cTn id="5" presetID="1" presetClass="entr" presetSubtype="0" fill="hold" grpId="0" nodeType="clickEffect">
+                                  <p:stCondLst>
+                                    <p:cond delay="0"/>
+                                  </p:stCondLst>
+                                  <p:childTnLst>
+                                    <p:set>
+                                      <p:cBhvr>
+                                        <p:cTn id="6" dur="1" fill="hold">
+                                          <p:stCondLst>
+                                            <p:cond delay="0"/>
+                                          </p:stCondLst>
+                                        </p:cTn>
+                                        <p:tgtEl>
+                                          <p:spTgt spid="10"/>
+                                        </p:tgtEl>
+                                        <p:attrNameLst>
+                                          <p:attrName>style.visibility</p:attrName>
+                                        </p:attrNameLst>
+                                      </p:cBhvr>
+                                      <p:to>
+                                        <p:strVal val="visible"/>
+                                      </p:to>
+                                    </p:set>
+                                  </p:childTnLst>
+                                </p:cTn>
+                              </p:par>
+                              <p:par>
+                                <p:cTn id="7" presetID="1" presetClass="entr" presetSubtype="0" fill="hold" grpId="0" nodeType="withEffect">
+                                  <p:stCondLst>
+                                    <p:cond delay="0"/>
+                                  </p:stCondLst>
+                                  <p:childTnLst>
+                                    <p:set>
+                                      <p:cBhvr>
+                                        <p:cTn id="8" dur="1" fill="hold">
+                                          <p:stCondLst>
+                                            <p:cond delay="0"/>
+                                          </p:stCondLst>
+                                        </p:cTn>
+                                        <p:tgtEl>
+                                          <p:spTgt spid="11"/>
+                                        </p:tgtEl>
+                                        <p:attrNameLst>
+                                          <p:attrName>style.visibility</p:attrName>
+                                        </p:attrNameLst>
+                                      </p:cBhvr>
+                                      <p:to>
+                                        <p:strVal val="visible"/>
+                                      </p:to>
+                                    </p:set>
+                                  </p:childTnLst>
+                                </p:cTn>
+                              </p:par>
+                            </p:childTnLst>
+                          </p:cTn>
+                        </p:par>
+                      </p:childTnLst>
+                    </p:cTn>
+                  </p:par>
+                </p:childTnLst>
+              </p:cTn>
+              <p:prevCondLst>
+                <p:cond evt="onPrev" delay="0">
+                  <p:tgtEl>
+                    <p:sldTgt/>
+                  </p:tgtEl>
+                </p:cond>
+              </p:prevCondLst>
+              <p:nextCondLst>
+                <p:cond evt="onNext" delay="0">
+                  <p:tgtEl>
+                    <p:sldTgt/>
+                  </p:tgtEl>
+                </p:cond>
+              </p:nextCondLst>
+            </p:seq>
+          </p:childTnLst>
+        </p:cTn>
+      </p:par>
+    </p:tnLst>
+    <p:bldLst>
+      <p:bldP spid="10" grpId="0"/>
+      <p:bldP spid="11" grpId="0"/>
+    </p:bldLst>
+  </p:timing>
+</p:sld>
+</file>
+
+<file path=ppt/slides/slide7.xml><?xml version="1.0" encoding="utf-8"?>
 <p:sld xmlns:a="http://schemas.openxmlformats.org/drawingml/2006/main" xmlns:r="http://schemas.openxmlformats.org/officeDocument/2006/relationships" xmlns:p="http://schemas.openxmlformats.org/presentationml/2006/main">
   <p:cSld>
     <p:spTree>
@@ -20627,7 +21923,7 @@
             <a:fld id="{4F9AC08D-23A9-440E-BCB9-AA1E9877CC38}" type="slidenum">
               <a:rPr lang="en-US" smtClean="0"/>
               <a:pPr/>
-              <a:t>5</a:t>
+              <a:t>7</a:t>
             </a:fld>
             <a:endParaRPr lang="en-US"/>
           </a:p>
@@ -20704,8 +22000,8 @@
         </p:nvSpPr>
         <p:spPr>
           <a:xfrm>
-            <a:off x="457198" y="1543312"/>
-            <a:ext cx="4692771" cy="369332"/>
+            <a:off x="436416" y="1400750"/>
+            <a:ext cx="9551326" cy="2862322"/>
           </a:xfrm>
           <a:prstGeom prst="rect">
             <a:avLst/>
@@ -20717,6 +22013,24 @@
             <a:spAutoFit/>
           </a:bodyPr>
           <a:lstStyle/>
+          <a:p>
+            <a:r>
+              <a:rPr lang="en-AU" dirty="0"/>
+              <a:t>Due to the shock being designed and released at the national level, these shocks can be seen as (conditionally) randomly assigned – i.e. individuals in the same positions in different areas would receive the same treatment. </a:t>
+            </a:r>
+          </a:p>
+          <a:p>
+            <a:endParaRPr lang="en-AU" dirty="0"/>
+          </a:p>
+          <a:p>
+            <a:r>
+              <a:rPr lang="en-AU" dirty="0"/>
+              <a:t>However, there is a risk that the political process did drive a design based on differential expected outcomes for some regions in the future. As a placebo, parallel trends are used to motivate identification.</a:t>
+            </a:r>
+          </a:p>
+          <a:p>
+            <a:endParaRPr lang="en-AU" dirty="0"/>
+          </a:p>
           <a:p>
             <a:pPr marL="285750" indent="-285750">
               <a:buFont typeface="Arial" panose="020B0604020202020204" pitchFamily="34" charset="0"/>
@@ -20732,7 +22046,81 @@
             </a:r>
             <a:r>
               <a:rPr lang="en-AU" dirty="0"/>
-              <a:t>: XXX</a:t>
+              <a:t>: Under parallel trends, heterogenous treatment effects can bias results.</a:t>
+            </a:r>
+          </a:p>
+        </p:txBody>
+      </p:sp>
+      <p:sp>
+        <p:nvSpPr>
+          <p:cNvPr id="6" name="TextBox 5">
+            <a:extLst>
+              <a:ext uri="{FF2B5EF4-FFF2-40B4-BE49-F238E27FC236}">
+                <a16:creationId xmlns:a16="http://schemas.microsoft.com/office/drawing/2014/main" id="{36EE2766-3CCE-BC56-1412-6141D2EC4C1B}"/>
+              </a:ext>
+            </a:extLst>
+          </p:cNvPr>
+          <p:cNvSpPr txBox="1"/>
+          <p:nvPr/>
+        </p:nvSpPr>
+        <p:spPr>
+          <a:xfrm>
+            <a:off x="299758" y="4514585"/>
+            <a:ext cx="11279870" cy="923330"/>
+          </a:xfrm>
+          <a:prstGeom prst="rect">
+            <a:avLst/>
+          </a:prstGeom>
+          <a:noFill/>
+        </p:spPr>
+        <p:txBody>
+          <a:bodyPr wrap="square" rtlCol="0">
+            <a:spAutoFit/>
+          </a:bodyPr>
+          <a:lstStyle/>
+          <a:p>
+            <a:r>
+              <a:rPr lang="en-AU" dirty="0"/>
+              <a:t>The combination of instrument measurement (which may generate artificial heterogeneity in treatment, even if true treatment effects are homogenous) and concerns about aggregation of heterogeneous treatment can bias estimates.</a:t>
+            </a:r>
+          </a:p>
+        </p:txBody>
+      </p:sp>
+      <p:sp>
+        <p:nvSpPr>
+          <p:cNvPr id="7" name="TextBox 6">
+            <a:extLst>
+              <a:ext uri="{FF2B5EF4-FFF2-40B4-BE49-F238E27FC236}">
+                <a16:creationId xmlns:a16="http://schemas.microsoft.com/office/drawing/2014/main" id="{50D10BD6-7D54-C1F1-061A-6F7752C57352}"/>
+              </a:ext>
+            </a:extLst>
+          </p:cNvPr>
+          <p:cNvSpPr txBox="1"/>
+          <p:nvPr/>
+        </p:nvSpPr>
+        <p:spPr>
+          <a:xfrm>
+            <a:off x="299758" y="5519039"/>
+            <a:ext cx="11279870" cy="369332"/>
+          </a:xfrm>
+          <a:prstGeom prst="rect">
+            <a:avLst/>
+          </a:prstGeom>
+          <a:noFill/>
+        </p:spPr>
+        <p:txBody>
+          <a:bodyPr wrap="square" rtlCol="0">
+            <a:spAutoFit/>
+          </a:bodyPr>
+          <a:lstStyle/>
+          <a:p>
+            <a:r>
+              <a:rPr lang="en-AU" b="1" dirty="0"/>
+              <a:t>Suggestion</a:t>
+            </a:r>
+            <a:r>
+              <a:rPr lang="en-AU" dirty="0"/>
+              <a:t>: Report heterogenous treatment effects and show underlying weights.</a:t>
             </a:r>
           </a:p>
         </p:txBody>
@@ -20750,7 +22138,7 @@
 </p:sld>
 </file>
 
-<file path=ppt/slides/slide6.xml><?xml version="1.0" encoding="utf-8"?>
+<file path=ppt/slides/slide8.xml><?xml version="1.0" encoding="utf-8"?>
 <p:sld xmlns:a="http://schemas.openxmlformats.org/drawingml/2006/main" xmlns:r="http://schemas.openxmlformats.org/officeDocument/2006/relationships" xmlns:p="http://schemas.openxmlformats.org/presentationml/2006/main">
   <p:cSld>
     <p:spTree>
@@ -20797,7 +22185,7 @@
             <a:fld id="{4F9AC08D-23A9-440E-BCB9-AA1E9877CC38}" type="slidenum">
               <a:rPr lang="en-US" smtClean="0"/>
               <a:pPr/>
-              <a:t>6</a:t>
+              <a:t>8</a:t>
             </a:fld>
             <a:endParaRPr lang="en-US"/>
           </a:p>
@@ -20905,7 +22293,7 @@
         <p:spPr>
           <a:xfrm>
             <a:off x="500332" y="1354347"/>
-            <a:ext cx="5257691" cy="1477328"/>
+            <a:ext cx="5257691" cy="2862322"/>
           </a:xfrm>
           <a:prstGeom prst="rect">
             <a:avLst/>
@@ -20957,6 +22345,53 @@
               <a:rPr lang="en-AU" dirty="0"/>
               <a:t>treated individuals.</a:t>
             </a:r>
+          </a:p>
+          <a:p>
+            <a:pPr marL="285750" indent="-285750">
+              <a:buFont typeface="Arial" panose="020B0604020202020204" pitchFamily="34" charset="0"/>
+              <a:buChar char="•"/>
+            </a:pPr>
+            <a:endParaRPr lang="en-AU" dirty="0"/>
+          </a:p>
+          <a:p>
+            <a:pPr marL="285750" indent="-285750">
+              <a:buFont typeface="Arial" panose="020B0604020202020204" pitchFamily="34" charset="0"/>
+              <a:buChar char="•"/>
+            </a:pPr>
+            <a:r>
+              <a:rPr lang="en-AU" dirty="0"/>
+              <a:t>Key would be to show </a:t>
+            </a:r>
+            <a:r>
+              <a:rPr lang="en-AU" b="1" dirty="0"/>
+              <a:t>limited mobility by treatment intensity</a:t>
+            </a:r>
+            <a:r>
+              <a:rPr lang="en-AU" dirty="0"/>
+              <a:t>.</a:t>
+            </a:r>
+          </a:p>
+          <a:p>
+            <a:pPr marL="285750" indent="-285750">
+              <a:buFont typeface="Arial" panose="020B0604020202020204" pitchFamily="34" charset="0"/>
+              <a:buChar char="•"/>
+            </a:pPr>
+            <a:endParaRPr lang="en-AU" dirty="0"/>
+          </a:p>
+          <a:p>
+            <a:pPr marL="285750" indent="-285750">
+              <a:buFont typeface="Arial" panose="020B0604020202020204" pitchFamily="34" charset="0"/>
+              <a:buChar char="•"/>
+            </a:pPr>
+            <a:r>
+              <a:rPr lang="en-AU" dirty="0"/>
+              <a:t>Significant </a:t>
+            </a:r>
+            <a:r>
+              <a:rPr lang="en-AU"/>
+              <a:t>mobility would XXX</a:t>
+            </a:r>
+            <a:endParaRPr lang="en-AU" dirty="0"/>
           </a:p>
         </p:txBody>
       </p:sp>
@@ -20973,7 +22408,7 @@
 </p:sld>
 </file>
 
-<file path=ppt/slides/slide7.xml><?xml version="1.0" encoding="utf-8"?>
+<file path=ppt/slides/slide9.xml><?xml version="1.0" encoding="utf-8"?>
 <p:sld xmlns:a="http://schemas.openxmlformats.org/drawingml/2006/main" xmlns:r="http://schemas.openxmlformats.org/officeDocument/2006/relationships" xmlns:p="http://schemas.openxmlformats.org/presentationml/2006/main">
   <p:cSld>
     <p:spTree>
@@ -21020,7 +22455,7 @@
             <a:fld id="{4F9AC08D-23A9-440E-BCB9-AA1E9877CC38}" type="slidenum">
               <a:rPr lang="en-US" smtClean="0"/>
               <a:pPr/>
-              <a:t>7</a:t>
+              <a:t>9</a:t>
             </a:fld>
             <a:endParaRPr lang="en-US"/>
           </a:p>
@@ -21098,7 +22533,7 @@
         <p:spPr>
           <a:xfrm>
             <a:off x="707366" y="1500996"/>
-            <a:ext cx="10550106" cy="3139321"/>
+            <a:ext cx="10550106" cy="3416320"/>
           </a:xfrm>
           <a:prstGeom prst="rect">
             <a:avLst/>
@@ -21134,7 +22569,7 @@
             </a:pPr>
             <a:r>
               <a:rPr lang="en-AU" dirty="0"/>
-              <a:t>Equivalisation of earnings: No standard scale used, and unclear why equivalisation is needed.</a:t>
+              <a:t>Equivalisation of earnings: No standard scale used, would be good to check sensitivity of socio-demographic groups on the basis of OECD scale.</a:t>
             </a:r>
           </a:p>
           <a:p>
@@ -21194,159 +22629,6 @@
     <p:extLst>
       <p:ext uri="{BB962C8B-B14F-4D97-AF65-F5344CB8AC3E}">
         <p14:creationId xmlns:p14="http://schemas.microsoft.com/office/powerpoint/2010/main" val="3074858860"/>
-      </p:ext>
-    </p:extLst>
-  </p:cSld>
-  <p:clrMapOvr>
-    <a:masterClrMapping/>
-  </p:clrMapOvr>
-</p:sld>
-</file>
-
-<file path=ppt/slides/slide8.xml><?xml version="1.0" encoding="utf-8"?>
-<p:sld xmlns:a="http://schemas.openxmlformats.org/drawingml/2006/main" xmlns:r="http://schemas.openxmlformats.org/officeDocument/2006/relationships" xmlns:p="http://schemas.openxmlformats.org/presentationml/2006/main">
-  <p:cSld>
-    <p:spTree>
-      <p:nvGrpSpPr>
-        <p:cNvPr id="1" name="">
-          <a:extLst>
-            <a:ext uri="{FF2B5EF4-FFF2-40B4-BE49-F238E27FC236}">
-              <a16:creationId xmlns:a16="http://schemas.microsoft.com/office/drawing/2014/main" id="{B38171BC-5CF2-F8CB-E67E-923319AC3527}"/>
-            </a:ext>
-          </a:extLst>
-        </p:cNvPr>
-        <p:cNvGrpSpPr/>
-        <p:nvPr/>
-      </p:nvGrpSpPr>
-      <p:grpSpPr>
-        <a:xfrm>
-          <a:off x="0" y="0"/>
-          <a:ext cx="0" cy="0"/>
-          <a:chOff x="0" y="0"/>
-          <a:chExt cx="0" cy="0"/>
-        </a:xfrm>
-      </p:grpSpPr>
-      <p:sp>
-        <p:nvSpPr>
-          <p:cNvPr id="2" name="Slide Number Placeholder 1">
-            <a:extLst>
-              <a:ext uri="{FF2B5EF4-FFF2-40B4-BE49-F238E27FC236}">
-                <a16:creationId xmlns:a16="http://schemas.microsoft.com/office/drawing/2014/main" id="{6CE7ECE1-4525-9FE4-6EFF-45879A647B37}"/>
-              </a:ext>
-            </a:extLst>
-          </p:cNvPr>
-          <p:cNvSpPr>
-            <a:spLocks noGrp="1"/>
-          </p:cNvSpPr>
-          <p:nvPr>
-            <p:ph type="sldNum" sz="quarter" idx="10"/>
-          </p:nvPr>
-        </p:nvSpPr>
-        <p:spPr/>
-        <p:txBody>
-          <a:bodyPr/>
-          <a:lstStyle/>
-          <a:p>
-            <a:fld id="{4F9AC08D-23A9-440E-BCB9-AA1E9877CC38}" type="slidenum">
-              <a:rPr lang="en-US" smtClean="0"/>
-              <a:pPr/>
-              <a:t>8</a:t>
-            </a:fld>
-            <a:endParaRPr lang="en-US"/>
-          </a:p>
-        </p:txBody>
-      </p:sp>
-      <p:sp>
-        <p:nvSpPr>
-          <p:cNvPr id="4" name="Title 3">
-            <a:extLst>
-              <a:ext uri="{FF2B5EF4-FFF2-40B4-BE49-F238E27FC236}">
-                <a16:creationId xmlns:a16="http://schemas.microsoft.com/office/drawing/2014/main" id="{0A93055B-769C-5449-E847-67A9AA8C6684}"/>
-              </a:ext>
-            </a:extLst>
-          </p:cNvPr>
-          <p:cNvSpPr>
-            <a:spLocks noGrp="1"/>
-          </p:cNvSpPr>
-          <p:nvPr>
-            <p:ph type="title"/>
-          </p:nvPr>
-        </p:nvSpPr>
-        <p:spPr/>
-        <p:txBody>
-          <a:bodyPr/>
-          <a:lstStyle/>
-          <a:p>
-            <a:r>
-              <a:rPr lang="en-AU" dirty="0"/>
-              <a:t>Extra Pictures</a:t>
-            </a:r>
-          </a:p>
-        </p:txBody>
-      </p:sp>
-      <p:sp>
-        <p:nvSpPr>
-          <p:cNvPr id="5" name="Text Placeholder 4">
-            <a:extLst>
-              <a:ext uri="{FF2B5EF4-FFF2-40B4-BE49-F238E27FC236}">
-                <a16:creationId xmlns:a16="http://schemas.microsoft.com/office/drawing/2014/main" id="{0CCD07DA-2D82-D09B-5D7B-50BE73F983E2}"/>
-              </a:ext>
-            </a:extLst>
-          </p:cNvPr>
-          <p:cNvSpPr>
-            <a:spLocks noGrp="1"/>
-          </p:cNvSpPr>
-          <p:nvPr>
-            <p:ph type="body" sz="quarter" idx="12"/>
-          </p:nvPr>
-        </p:nvSpPr>
-        <p:spPr/>
-        <p:txBody>
-          <a:bodyPr/>
-          <a:lstStyle/>
-          <a:p>
-            <a:pPr algn="ctr"/>
-            <a:r>
-              <a:rPr lang="en-AU" dirty="0"/>
-              <a:t>XXX</a:t>
-            </a:r>
-          </a:p>
-        </p:txBody>
-      </p:sp>
-      <p:pic>
-        <p:nvPicPr>
-          <p:cNvPr id="7" name="Picture 6">
-            <a:extLst>
-              <a:ext uri="{FF2B5EF4-FFF2-40B4-BE49-F238E27FC236}">
-                <a16:creationId xmlns:a16="http://schemas.microsoft.com/office/drawing/2014/main" id="{EDD7ED22-FA9A-2198-461A-001D5EE75123}"/>
-              </a:ext>
-            </a:extLst>
-          </p:cNvPr>
-          <p:cNvPicPr>
-            <a:picLocks noChangeAspect="1"/>
-          </p:cNvPicPr>
-          <p:nvPr/>
-        </p:nvPicPr>
-        <p:blipFill>
-          <a:blip r:embed="rId2"/>
-          <a:stretch>
-            <a:fillRect/>
-          </a:stretch>
-        </p:blipFill>
-        <p:spPr>
-          <a:xfrm>
-            <a:off x="435285" y="2262645"/>
-            <a:ext cx="5660715" cy="3102984"/>
-          </a:xfrm>
-          <a:prstGeom prst="rect">
-            <a:avLst/>
-          </a:prstGeom>
-        </p:spPr>
-      </p:pic>
-    </p:spTree>
-    <p:extLst>
-      <p:ext uri="{BB962C8B-B14F-4D97-AF65-F5344CB8AC3E}">
-        <p14:creationId xmlns:p14="http://schemas.microsoft.com/office/powerpoint/2010/main" val="3132210340"/>
       </p:ext>
     </p:extLst>
   </p:cSld>
@@ -22427,15 +23709,6 @@
 </file>
 
 <file path=customXml/item1.xml><?xml version="1.0" encoding="utf-8"?>
-<?mso-contentType ?>
-<FormTemplates xmlns="http://schemas.microsoft.com/sharepoint/v3/contenttype/forms">
-  <Display>DocumentLibraryForm</Display>
-  <Edit>DocumentLibraryForm</Edit>
-  <New>DocumentLibraryForm</New>
-</FormTemplates>
-</file>
-
-<file path=customXml/item2.xml><?xml version="1.0" encoding="utf-8"?>
 <p:properties xmlns:p="http://schemas.microsoft.com/office/2006/metadata/properties" xmlns:xsi="http://www.w3.org/2001/XMLSchema-instance" xmlns:pc="http://schemas.microsoft.com/office/infopath/2007/PartnerControls">
   <documentManagement>
     <TaxCatchAll xmlns="d4025935-85eb-43e8-ab32-734675053e7f" xsi:nil="true"/>
@@ -22444,6 +23717,15 @@
     </lcf76f155ced4ddcb4097134ff3c332f>
   </documentManagement>
 </p:properties>
+</file>
+
+<file path=customXml/item2.xml><?xml version="1.0" encoding="utf-8"?>
+<?mso-contentType ?>
+<FormTemplates xmlns="http://schemas.microsoft.com/sharepoint/v3/contenttype/forms">
+  <Display>DocumentLibraryForm</Display>
+  <Edit>DocumentLibraryForm</Edit>
+  <New>DocumentLibraryForm</New>
+</FormTemplates>
 </file>
 
 <file path=customXml/item3.xml><?xml version="1.0" encoding="utf-8"?>
@@ -22702,14 +23984,6 @@
 </file>
 
 <file path=customXml/itemProps1.xml><?xml version="1.0" encoding="utf-8"?>
-<ds:datastoreItem xmlns:ds="http://schemas.openxmlformats.org/officeDocument/2006/customXml" ds:itemID="{529E81E1-445C-4E91-8E35-C5BD736A3B77}">
-  <ds:schemaRefs>
-    <ds:schemaRef ds:uri="http://schemas.microsoft.com/sharepoint/v3/contenttype/forms"/>
-  </ds:schemaRefs>
-</ds:datastoreItem>
-</file>
-
-<file path=customXml/itemProps2.xml><?xml version="1.0" encoding="utf-8"?>
 <ds:datastoreItem xmlns:ds="http://schemas.openxmlformats.org/officeDocument/2006/customXml" ds:itemID="{8E36B762-179B-48EA-90B2-E74079BA15DE}">
   <ds:schemaRefs>
     <ds:schemaRef ds:uri="d4025935-85eb-43e8-ab32-734675053e7f"/>
@@ -22722,6 +23996,14 @@
     <ds:schemaRef ds:uri="http://schemas.openxmlformats.org/package/2006/metadata/core-properties"/>
     <ds:schemaRef ds:uri="http://schemas.microsoft.com/office/2006/metadata/properties"/>
     <ds:schemaRef ds:uri="http://purl.org/dc/dcmitype/"/>
+  </ds:schemaRefs>
+</ds:datastoreItem>
+</file>
+
+<file path=customXml/itemProps2.xml><?xml version="1.0" encoding="utf-8"?>
+<ds:datastoreItem xmlns:ds="http://schemas.openxmlformats.org/officeDocument/2006/customXml" ds:itemID="{529E81E1-445C-4E91-8E35-C5BD736A3B77}">
+  <ds:schemaRefs>
+    <ds:schemaRef ds:uri="http://schemas.microsoft.com/sharepoint/v3/contenttype/forms"/>
   </ds:schemaRefs>
 </ds:datastoreItem>
 </file>

--- a/e61 Projects/Presentations/Discusant Wage Subsides TTPI Aug 2025.pptx
+++ b/e61 Projects/Presentations/Discusant Wage Subsides TTPI Aug 2025.pptx
@@ -23,7 +23,7 @@
     <p:sldId id="2147140429" r:id="rId14"/>
   </p:sldIdLst>
   <p:sldSz cx="12192000" cy="6858000"/>
-  <p:notesSz cx="6858000" cy="9144000"/>
+  <p:notesSz cx="7099300" cy="9385300"/>
   <p:custDataLst>
     <p:tags r:id="rId17"/>
   </p:custDataLst>
@@ -200,14 +200,14 @@
         <p:spPr>
           <a:xfrm>
             <a:off x="0" y="0"/>
-            <a:ext cx="2971800" cy="458788"/>
-          </a:xfrm>
-          <a:prstGeom prst="rect">
-            <a:avLst/>
-          </a:prstGeom>
-        </p:spPr>
-        <p:txBody>
-          <a:bodyPr vert="horz" lIns="91440" tIns="45720" rIns="91440" bIns="45720" rtlCol="0"/>
+            <a:ext cx="3076363" cy="470895"/>
+          </a:xfrm>
+          <a:prstGeom prst="rect">
+            <a:avLst/>
+          </a:prstGeom>
+        </p:spPr>
+        <p:txBody>
+          <a:bodyPr vert="horz" lIns="94192" tIns="47096" rIns="94192" bIns="47096" rtlCol="0"/>
           <a:lstStyle>
             <a:lvl1pPr algn="l">
               <a:defRPr sz="1200"/>
@@ -236,15 +236,15 @@
         </p:nvSpPr>
         <p:spPr>
           <a:xfrm>
-            <a:off x="3884613" y="0"/>
-            <a:ext cx="2971800" cy="458788"/>
-          </a:xfrm>
-          <a:prstGeom prst="rect">
-            <a:avLst/>
-          </a:prstGeom>
-        </p:spPr>
-        <p:txBody>
-          <a:bodyPr vert="horz" lIns="91440" tIns="45720" rIns="91440" bIns="45720" rtlCol="0"/>
+            <a:off x="4021294" y="0"/>
+            <a:ext cx="3076363" cy="470895"/>
+          </a:xfrm>
+          <a:prstGeom prst="rect">
+            <a:avLst/>
+          </a:prstGeom>
+        </p:spPr>
+        <p:txBody>
+          <a:bodyPr vert="horz" lIns="94192" tIns="47096" rIns="94192" bIns="47096" rtlCol="0"/>
           <a:lstStyle>
             <a:lvl1pPr algn="r">
               <a:defRPr sz="1200"/>
@@ -253,7 +253,7 @@
           <a:p>
             <a:fld id="{60F87968-E7C3-4FA2-86D7-7CFDDCA2896A}" type="datetimeFigureOut">
               <a:rPr lang="en-US" smtClean="0"/>
-              <a:t>7/29/2025</a:t>
+              <a:t>7/30/2025</a:t>
             </a:fld>
             <a:endParaRPr lang="en-US"/>
           </a:p>
@@ -277,15 +277,15 @@
         </p:nvSpPr>
         <p:spPr>
           <a:xfrm>
-            <a:off x="0" y="8685213"/>
-            <a:ext cx="2971800" cy="458787"/>
-          </a:xfrm>
-          <a:prstGeom prst="rect">
-            <a:avLst/>
-          </a:prstGeom>
-        </p:spPr>
-        <p:txBody>
-          <a:bodyPr vert="horz" lIns="91440" tIns="45720" rIns="91440" bIns="45720" rtlCol="0" anchor="b"/>
+            <a:off x="0" y="8914407"/>
+            <a:ext cx="3076363" cy="470894"/>
+          </a:xfrm>
+          <a:prstGeom prst="rect">
+            <a:avLst/>
+          </a:prstGeom>
+        </p:spPr>
+        <p:txBody>
+          <a:bodyPr vert="horz" lIns="94192" tIns="47096" rIns="94192" bIns="47096" rtlCol="0" anchor="b"/>
           <a:lstStyle>
             <a:lvl1pPr algn="l">
               <a:defRPr sz="1200"/>
@@ -314,15 +314,15 @@
         </p:nvSpPr>
         <p:spPr>
           <a:xfrm>
-            <a:off x="3884613" y="8685213"/>
-            <a:ext cx="2971800" cy="458787"/>
-          </a:xfrm>
-          <a:prstGeom prst="rect">
-            <a:avLst/>
-          </a:prstGeom>
-        </p:spPr>
-        <p:txBody>
-          <a:bodyPr vert="horz" lIns="91440" tIns="45720" rIns="91440" bIns="45720" rtlCol="0" anchor="b"/>
+            <a:off x="4021294" y="8914407"/>
+            <a:ext cx="3076363" cy="470894"/>
+          </a:xfrm>
+          <a:prstGeom prst="rect">
+            <a:avLst/>
+          </a:prstGeom>
+        </p:spPr>
+        <p:txBody>
+          <a:bodyPr vert="horz" lIns="94192" tIns="47096" rIns="94192" bIns="47096" rtlCol="0" anchor="b"/>
           <a:lstStyle>
             <a:lvl1pPr algn="r">
               <a:defRPr sz="1200"/>
@@ -383,14 +383,14 @@
         <p:spPr>
           <a:xfrm>
             <a:off x="0" y="0"/>
-            <a:ext cx="2971800" cy="458788"/>
-          </a:xfrm>
-          <a:prstGeom prst="rect">
-            <a:avLst/>
-          </a:prstGeom>
-        </p:spPr>
-        <p:txBody>
-          <a:bodyPr vert="horz" lIns="91440" tIns="45720" rIns="91440" bIns="45720" rtlCol="0"/>
+            <a:ext cx="3076363" cy="470895"/>
+          </a:xfrm>
+          <a:prstGeom prst="rect">
+            <a:avLst/>
+          </a:prstGeom>
+        </p:spPr>
+        <p:txBody>
+          <a:bodyPr vert="horz" lIns="94192" tIns="47096" rIns="94192" bIns="47096" rtlCol="0"/>
           <a:lstStyle>
             <a:lvl1pPr algn="l">
               <a:defRPr sz="1200"/>
@@ -413,15 +413,15 @@
         </p:nvSpPr>
         <p:spPr>
           <a:xfrm>
-            <a:off x="3884613" y="0"/>
-            <a:ext cx="2971800" cy="458788"/>
-          </a:xfrm>
-          <a:prstGeom prst="rect">
-            <a:avLst/>
-          </a:prstGeom>
-        </p:spPr>
-        <p:txBody>
-          <a:bodyPr vert="horz" lIns="91440" tIns="45720" rIns="91440" bIns="45720" rtlCol="0"/>
+            <a:off x="4021294" y="0"/>
+            <a:ext cx="3076363" cy="470895"/>
+          </a:xfrm>
+          <a:prstGeom prst="rect">
+            <a:avLst/>
+          </a:prstGeom>
+        </p:spPr>
+        <p:txBody>
+          <a:bodyPr vert="horz" lIns="94192" tIns="47096" rIns="94192" bIns="47096" rtlCol="0"/>
           <a:lstStyle>
             <a:lvl1pPr algn="r">
               <a:defRPr sz="1200"/>
@@ -430,7 +430,7 @@
           <a:p>
             <a:fld id="{B416A7BE-E113-476D-8DE0-A6138461ACE1}" type="datetimeFigureOut">
               <a:rPr lang="en-US" smtClean="0"/>
-              <a:t>7/29/2025</a:t>
+              <a:t>7/30/2025</a:t>
             </a:fld>
             <a:endParaRPr lang="en-US"/>
           </a:p>
@@ -448,8 +448,8 @@
         </p:nvSpPr>
         <p:spPr>
           <a:xfrm>
-            <a:off x="685800" y="1143000"/>
-            <a:ext cx="5486400" cy="3086100"/>
+            <a:off x="735013" y="1173163"/>
+            <a:ext cx="5629275" cy="3167062"/>
           </a:xfrm>
           <a:prstGeom prst="rect">
             <a:avLst/>
@@ -462,7 +462,7 @@
           </a:ln>
         </p:spPr>
         <p:txBody>
-          <a:bodyPr vert="horz" lIns="91440" tIns="45720" rIns="91440" bIns="45720" rtlCol="0" anchor="ctr"/>
+          <a:bodyPr vert="horz" lIns="94192" tIns="47096" rIns="94192" bIns="47096" rtlCol="0" anchor="ctr"/>
           <a:lstStyle/>
           <a:p>
             <a:endParaRPr lang="en-US"/>
@@ -481,15 +481,15 @@
         </p:nvSpPr>
         <p:spPr>
           <a:xfrm>
-            <a:off x="685800" y="4400550"/>
-            <a:ext cx="5486400" cy="3600450"/>
-          </a:xfrm>
-          <a:prstGeom prst="rect">
-            <a:avLst/>
-          </a:prstGeom>
-        </p:spPr>
-        <p:txBody>
-          <a:bodyPr vert="horz" lIns="91440" tIns="45720" rIns="91440" bIns="45720" rtlCol="0"/>
+            <a:off x="709930" y="4516676"/>
+            <a:ext cx="5679440" cy="3695462"/>
+          </a:xfrm>
+          <a:prstGeom prst="rect">
+            <a:avLst/>
+          </a:prstGeom>
+        </p:spPr>
+        <p:txBody>
+          <a:bodyPr vert="horz" lIns="94192" tIns="47096" rIns="94192" bIns="47096" rtlCol="0"/>
           <a:lstStyle/>
           <a:p>
             <a:pPr lvl="0"/>
@@ -540,15 +540,15 @@
         </p:nvSpPr>
         <p:spPr>
           <a:xfrm>
-            <a:off x="0" y="8685213"/>
-            <a:ext cx="2971800" cy="458787"/>
-          </a:xfrm>
-          <a:prstGeom prst="rect">
-            <a:avLst/>
-          </a:prstGeom>
-        </p:spPr>
-        <p:txBody>
-          <a:bodyPr vert="horz" lIns="91440" tIns="45720" rIns="91440" bIns="45720" rtlCol="0" anchor="b"/>
+            <a:off x="0" y="8914407"/>
+            <a:ext cx="3076363" cy="470894"/>
+          </a:xfrm>
+          <a:prstGeom prst="rect">
+            <a:avLst/>
+          </a:prstGeom>
+        </p:spPr>
+        <p:txBody>
+          <a:bodyPr vert="horz" lIns="94192" tIns="47096" rIns="94192" bIns="47096" rtlCol="0" anchor="b"/>
           <a:lstStyle>
             <a:lvl1pPr algn="l">
               <a:defRPr sz="1200"/>
@@ -571,15 +571,15 @@
         </p:nvSpPr>
         <p:spPr>
           <a:xfrm>
-            <a:off x="3884613" y="8685213"/>
-            <a:ext cx="2971800" cy="458787"/>
-          </a:xfrm>
-          <a:prstGeom prst="rect">
-            <a:avLst/>
-          </a:prstGeom>
-        </p:spPr>
-        <p:txBody>
-          <a:bodyPr vert="horz" lIns="91440" tIns="45720" rIns="91440" bIns="45720" rtlCol="0" anchor="b"/>
+            <a:off x="4021294" y="8914407"/>
+            <a:ext cx="3076363" cy="470894"/>
+          </a:xfrm>
+          <a:prstGeom prst="rect">
+            <a:avLst/>
+          </a:prstGeom>
+        </p:spPr>
+        <p:txBody>
+          <a:bodyPr vert="horz" lIns="94192" tIns="47096" rIns="94192" bIns="47096" rtlCol="0" anchor="b"/>
           <a:lstStyle>
             <a:lvl1pPr algn="r">
               <a:defRPr sz="1200"/>
@@ -19848,36 +19848,6 @@
           </a:p>
         </p:txBody>
       </p:sp>
-      <p:pic>
-        <p:nvPicPr>
-          <p:cNvPr id="7" name="Picture 6">
-            <a:extLst>
-              <a:ext uri="{FF2B5EF4-FFF2-40B4-BE49-F238E27FC236}">
-                <a16:creationId xmlns:a16="http://schemas.microsoft.com/office/drawing/2014/main" id="{EDD7ED22-FA9A-2198-461A-001D5EE75123}"/>
-              </a:ext>
-            </a:extLst>
-          </p:cNvPr>
-          <p:cNvPicPr>
-            <a:picLocks noChangeAspect="1"/>
-          </p:cNvPicPr>
-          <p:nvPr/>
-        </p:nvPicPr>
-        <p:blipFill>
-          <a:blip r:embed="rId2"/>
-          <a:stretch>
-            <a:fillRect/>
-          </a:stretch>
-        </p:blipFill>
-        <p:spPr>
-          <a:xfrm>
-            <a:off x="435285" y="2262645"/>
-            <a:ext cx="5660715" cy="3102984"/>
-          </a:xfrm>
-          <a:prstGeom prst="rect">
-            <a:avLst/>
-          </a:prstGeom>
-        </p:spPr>
-      </p:pic>
     </p:spTree>
     <p:extLst>
       <p:ext uri="{BB962C8B-B14F-4D97-AF65-F5344CB8AC3E}">
@@ -20009,7 +19979,7 @@
         </p:nvSpPr>
         <p:spPr>
           <a:xfrm>
-            <a:off x="370417" y="1173980"/>
+            <a:off x="141817" y="1042846"/>
             <a:ext cx="9506828" cy="1200329"/>
           </a:xfrm>
           <a:prstGeom prst="rect">
@@ -20087,8 +20057,8 @@
         </p:nvSpPr>
         <p:spPr>
           <a:xfrm>
-            <a:off x="370417" y="2736502"/>
-            <a:ext cx="9506828" cy="1200329"/>
+            <a:off x="141817" y="2393936"/>
+            <a:ext cx="6727069" cy="1754326"/>
           </a:xfrm>
           <a:prstGeom prst="rect">
             <a:avLst/>
@@ -20165,7 +20135,7 @@
         </p:nvSpPr>
         <p:spPr>
           <a:xfrm>
-            <a:off x="370417" y="4299024"/>
+            <a:off x="141817" y="4331615"/>
             <a:ext cx="9506828" cy="1200329"/>
           </a:xfrm>
           <a:prstGeom prst="rect">
@@ -20224,7 +20194,7 @@
             </a:pPr>
             <a:r>
               <a:rPr lang="en-AU" dirty="0"/>
-              <a:t>A 3.1% decline in wages (31% pass through to firms).</a:t>
+              <a:t>A 3.1% decline in wages (31% pass through to firms ignoring GE effects).</a:t>
             </a:r>
           </a:p>
         </p:txBody>
@@ -20243,7 +20213,7 @@
         </p:nvSpPr>
         <p:spPr>
           <a:xfrm>
-            <a:off x="370417" y="5861546"/>
+            <a:off x="141817" y="5867370"/>
             <a:ext cx="9506828" cy="369332"/>
           </a:xfrm>
           <a:prstGeom prst="rect">
@@ -20276,6 +20246,36 @@
           </a:p>
         </p:txBody>
       </p:sp>
+      <p:pic>
+        <p:nvPicPr>
+          <p:cNvPr id="9" name="Picture 8">
+            <a:extLst>
+              <a:ext uri="{FF2B5EF4-FFF2-40B4-BE49-F238E27FC236}">
+                <a16:creationId xmlns:a16="http://schemas.microsoft.com/office/drawing/2014/main" id="{EDD7ED22-FA9A-2198-461A-001D5EE75123}"/>
+              </a:ext>
+            </a:extLst>
+          </p:cNvPr>
+          <p:cNvPicPr>
+            <a:picLocks noChangeAspect="1"/>
+          </p:cNvPicPr>
+          <p:nvPr/>
+        </p:nvPicPr>
+        <p:blipFill>
+          <a:blip r:embed="rId2"/>
+          <a:stretch>
+            <a:fillRect/>
+          </a:stretch>
+        </p:blipFill>
+        <p:spPr>
+          <a:xfrm>
+            <a:off x="6906722" y="2243175"/>
+            <a:ext cx="5285278" cy="2897184"/>
+          </a:xfrm>
+          <a:prstGeom prst="rect">
+            <a:avLst/>
+          </a:prstGeom>
+        </p:spPr>
+      </p:pic>
     </p:spTree>
     <p:extLst>
       <p:ext uri="{BB962C8B-B14F-4D97-AF65-F5344CB8AC3E}">
@@ -20413,8 +20413,8 @@
         </p:nvSpPr>
         <p:spPr>
           <a:xfrm>
-            <a:off x="648393" y="1409008"/>
-            <a:ext cx="10146624" cy="923330"/>
+            <a:off x="648393" y="1152282"/>
+            <a:ext cx="11386322" cy="1477328"/>
           </a:xfrm>
           <a:prstGeom prst="rect">
             <a:avLst/>
@@ -20443,7 +20443,7 @@
             </a:pPr>
             <a:r>
               <a:rPr lang="en-US" dirty="0"/>
-              <a:t>IV an exogenous change in the MTR and PTR due to the policy (at the initial level of earnings).</a:t>
+              <a:t>Each group is a “socio-demographic” group based on characteristics including earnings. </a:t>
             </a:r>
           </a:p>
           <a:p>
@@ -20452,8 +20452,36 @@
               <a:buChar char="•"/>
             </a:pPr>
             <a:r>
+              <a:rPr lang="en-US" b="1" dirty="0"/>
+              <a:t>Share</a:t>
+            </a:r>
+            <a:r>
               <a:rPr lang="en-US" dirty="0"/>
-              <a:t>Differing intensity by region based on hours-weighted change in tax measure.</a:t>
+              <a:t> is of work hours of this group by region.</a:t>
+            </a:r>
+          </a:p>
+          <a:p>
+            <a:pPr marL="285750" indent="-285750">
+              <a:buFont typeface="Arial" panose="020B0604020202020204" pitchFamily="34" charset="0"/>
+              <a:buChar char="•"/>
+            </a:pPr>
+            <a:r>
+              <a:rPr lang="en-US" b="1" dirty="0"/>
+              <a:t>Shift</a:t>
+            </a:r>
+            <a:r>
+              <a:rPr lang="en-US" dirty="0"/>
+              <a:t> an exogenous change in the MTR and PTR due to the policy (at the initial level of earnings).</a:t>
+            </a:r>
+          </a:p>
+          <a:p>
+            <a:pPr marL="285750" indent="-285750">
+              <a:buFont typeface="Arial" panose="020B0604020202020204" pitchFamily="34" charset="0"/>
+              <a:buChar char="•"/>
+            </a:pPr>
+            <a:r>
+              <a:rPr lang="en-US" dirty="0"/>
+              <a:t>Differing intensity by region based on hours-weighted change in tax measure (based on pre-reform hours).</a:t>
             </a:r>
             <a:endParaRPr lang="en-NZ" dirty="0"/>
           </a:p>
@@ -20905,7 +20933,15 @@
             </a:r>
             <a:r>
               <a:rPr lang="en-AU" dirty="0"/>
-              <a:t> ETI literature).</a:t>
+              <a:t> ETI literature). </a:t>
+            </a:r>
+            <a:r>
+              <a:rPr lang="en-AU" b="1" dirty="0"/>
+              <a:t>Note</a:t>
+            </a:r>
+            <a:r>
+              <a:rPr lang="en-AU" dirty="0"/>
+              <a:t>: Weber (2014) uses taxable income at t-2, rather than t. </a:t>
             </a:r>
           </a:p>
           <a:p>
@@ -20915,7 +20951,7 @@
             </a:pPr>
             <a:r>
               <a:rPr lang="en-AU" dirty="0"/>
-              <a:t>But doesn’t account for inframarginal changes in the budget constraint.</a:t>
+              <a:t>But doesn’t account for broader changes in the budget constraint.</a:t>
             </a:r>
           </a:p>
         </p:txBody>
@@ -21053,7 +21089,7 @@
             </a:r>
             <a:r>
               <a:rPr lang="en-AU" dirty="0"/>
-              <a:t>: “Reverse reform” approach.</a:t>
+              <a:t>: “Reverse reform” approach, tax shock based on earlier tax year.</a:t>
             </a:r>
           </a:p>
         </p:txBody>
@@ -21694,7 +21730,7 @@
         <p:spPr>
           <a:xfrm>
             <a:off x="336592" y="4932644"/>
-            <a:ext cx="10705382" cy="369332"/>
+            <a:ext cx="10705382" cy="646331"/>
           </a:xfrm>
           <a:prstGeom prst="rect">
             <a:avLst/>
@@ -21713,7 +21749,7 @@
             </a:r>
             <a:r>
               <a:rPr lang="en-AU" dirty="0"/>
-              <a:t>: “Reverse policy” status quo.</a:t>
+              <a:t>: “Reverse policy” status quo + additional forms of imputation that deal with selection (Heckman, joint participation and wage estimation).</a:t>
             </a:r>
           </a:p>
         </p:txBody>
@@ -21877,7 +21913,7 @@
 </file>
 
 <file path=ppt/slides/slide7.xml><?xml version="1.0" encoding="utf-8"?>
-<p:sld xmlns:a="http://schemas.openxmlformats.org/drawingml/2006/main" xmlns:r="http://schemas.openxmlformats.org/officeDocument/2006/relationships" xmlns:p="http://schemas.openxmlformats.org/presentationml/2006/main">
+<p:sld xmlns:a="http://schemas.openxmlformats.org/drawingml/2006/main" xmlns:r="http://schemas.openxmlformats.org/officeDocument/2006/relationships" xmlns:p="http://schemas.openxmlformats.org/presentationml/2006/main" show="0">
   <p:cSld>
     <p:spTree>
       <p:nvGrpSpPr>
@@ -22139,7 +22175,7 @@
 </file>
 
 <file path=ppt/slides/slide8.xml><?xml version="1.0" encoding="utf-8"?>
-<p:sld xmlns:a="http://schemas.openxmlformats.org/drawingml/2006/main" xmlns:r="http://schemas.openxmlformats.org/officeDocument/2006/relationships" xmlns:p="http://schemas.openxmlformats.org/presentationml/2006/main">
+<p:sld xmlns:a="http://schemas.openxmlformats.org/drawingml/2006/main" xmlns:r="http://schemas.openxmlformats.org/officeDocument/2006/relationships" xmlns:p="http://schemas.openxmlformats.org/presentationml/2006/main" show="0">
   <p:cSld>
     <p:spTree>
       <p:nvGrpSpPr>
@@ -22293,7 +22329,7 @@
         <p:spPr>
           <a:xfrm>
             <a:off x="500332" y="1354347"/>
-            <a:ext cx="5257691" cy="2862322"/>
+            <a:ext cx="5257691" cy="3693319"/>
           </a:xfrm>
           <a:prstGeom prst="rect">
             <a:avLst/>
@@ -22385,13 +22421,8 @@
             </a:pPr>
             <a:r>
               <a:rPr lang="en-AU" dirty="0"/>
-              <a:t>Significant </a:t>
-            </a:r>
-            <a:r>
-              <a:rPr lang="en-AU"/>
-              <a:t>mobility would XXX</a:t>
-            </a:r>
-            <a:endParaRPr lang="en-AU" dirty="0"/>
+              <a:t>Significant mobility would also likely attenuate the effects (although the effect is unclear as mobility will tend to be to high exposure regions).</a:t>
+            </a:r>
           </a:p>
         </p:txBody>
       </p:sp>
@@ -22484,7 +22515,7 @@
           <a:p>
             <a:r>
               <a:rPr lang="en-AU" dirty="0"/>
-              <a:t>Minor questions</a:t>
+              <a:t>Other questions</a:t>
             </a:r>
           </a:p>
         </p:txBody>
@@ -22532,8 +22563,8 @@
         </p:nvSpPr>
         <p:spPr>
           <a:xfrm>
-            <a:off x="707366" y="1500996"/>
-            <a:ext cx="10550106" cy="3416320"/>
+            <a:off x="683602" y="1042097"/>
+            <a:ext cx="10550106" cy="5632311"/>
           </a:xfrm>
           <a:prstGeom prst="rect">
             <a:avLst/>
@@ -22603,7 +22634,7 @@
             </a:pPr>
             <a:r>
               <a:rPr lang="en-AU" dirty="0"/>
-              <a:t>General equilibrium effects (what happens to the level).</a:t>
+              <a:t>Sensitivity to alternative weighting (population share rather than hours weighted share)</a:t>
             </a:r>
           </a:p>
           <a:p>
@@ -22620,7 +22651,62 @@
             </a:pPr>
             <a:r>
               <a:rPr lang="en-AU" dirty="0"/>
-              <a:t>There is imperfect take-up, when prior policies had low or full take-up. These changes in treatment status may themselves be informative of behavioural responses.</a:t>
+              <a:t>Additional information on mobility of individuals by treatment intensity.</a:t>
+            </a:r>
+          </a:p>
+          <a:p>
+            <a:pPr marL="285750" indent="-285750">
+              <a:buFont typeface="Arial" panose="020B0604020202020204" pitchFamily="34" charset="0"/>
+              <a:buChar char="•"/>
+            </a:pPr>
+            <a:endParaRPr lang="en-AU" dirty="0"/>
+          </a:p>
+          <a:p>
+            <a:pPr marL="285750" indent="-285750">
+              <a:buFont typeface="Arial" panose="020B0604020202020204" pitchFamily="34" charset="0"/>
+              <a:buChar char="•"/>
+            </a:pPr>
+            <a:r>
+              <a:rPr lang="en-AU" dirty="0"/>
+              <a:t>Reporting heterogeneity in treatment and underlying weights (sensitivity to random-assigned shocks failing).</a:t>
+            </a:r>
+          </a:p>
+          <a:p>
+            <a:pPr marL="285750" indent="-285750">
+              <a:buFont typeface="Arial" panose="020B0604020202020204" pitchFamily="34" charset="0"/>
+              <a:buChar char="•"/>
+            </a:pPr>
+            <a:endParaRPr lang="en-AU" dirty="0"/>
+          </a:p>
+          <a:p>
+            <a:pPr marL="285750" indent="-285750">
+              <a:buFont typeface="Arial" panose="020B0604020202020204" pitchFamily="34" charset="0"/>
+              <a:buChar char="•"/>
+            </a:pPr>
+            <a:r>
+              <a:rPr lang="en-AU" dirty="0"/>
+              <a:t>General equilibrium effects (what happens to the level).</a:t>
+            </a:r>
+          </a:p>
+          <a:p>
+            <a:pPr marL="285750" indent="-285750">
+              <a:buFont typeface="Arial" panose="020B0604020202020204" pitchFamily="34" charset="0"/>
+              <a:buChar char="•"/>
+            </a:pPr>
+            <a:endParaRPr lang="en-AU" dirty="0"/>
+          </a:p>
+          <a:p>
+            <a:pPr marL="285750" indent="-285750">
+              <a:buFont typeface="Arial" panose="020B0604020202020204" pitchFamily="34" charset="0"/>
+              <a:buChar char="•"/>
+            </a:pPr>
+            <a:r>
+              <a:rPr lang="en-AU" b="1" dirty="0"/>
+              <a:t>Not really a question: </a:t>
+            </a:r>
+            <a:r>
+              <a:rPr lang="en-AU" dirty="0"/>
+              <a:t>There is imperfect take-up, when prior policies had low or full take-up. These changes in treatment status may themselves be informative of behavioural responses and warrant investigation (i.e. take-up costs ala Ko and Moffit (2022)).</a:t>
             </a:r>
           </a:p>
         </p:txBody>
@@ -23709,6 +23795,15 @@
 </file>
 
 <file path=customXml/item1.xml><?xml version="1.0" encoding="utf-8"?>
+<?mso-contentType ?>
+<FormTemplates xmlns="http://schemas.microsoft.com/sharepoint/v3/contenttype/forms">
+  <Display>DocumentLibraryForm</Display>
+  <Edit>DocumentLibraryForm</Edit>
+  <New>DocumentLibraryForm</New>
+</FormTemplates>
+</file>
+
+<file path=customXml/item2.xml><?xml version="1.0" encoding="utf-8"?>
 <p:properties xmlns:p="http://schemas.microsoft.com/office/2006/metadata/properties" xmlns:xsi="http://www.w3.org/2001/XMLSchema-instance" xmlns:pc="http://schemas.microsoft.com/office/infopath/2007/PartnerControls">
   <documentManagement>
     <TaxCatchAll xmlns="d4025935-85eb-43e8-ab32-734675053e7f" xsi:nil="true"/>
@@ -23717,15 +23812,6 @@
     </lcf76f155ced4ddcb4097134ff3c332f>
   </documentManagement>
 </p:properties>
-</file>
-
-<file path=customXml/item2.xml><?xml version="1.0" encoding="utf-8"?>
-<?mso-contentType ?>
-<FormTemplates xmlns="http://schemas.microsoft.com/sharepoint/v3/contenttype/forms">
-  <Display>DocumentLibraryForm</Display>
-  <Edit>DocumentLibraryForm</Edit>
-  <New>DocumentLibraryForm</New>
-</FormTemplates>
 </file>
 
 <file path=customXml/item3.xml><?xml version="1.0" encoding="utf-8"?>
@@ -23984,26 +24070,26 @@
 </file>
 
 <file path=customXml/itemProps1.xml><?xml version="1.0" encoding="utf-8"?>
-<ds:datastoreItem xmlns:ds="http://schemas.openxmlformats.org/officeDocument/2006/customXml" ds:itemID="{8E36B762-179B-48EA-90B2-E74079BA15DE}">
+<ds:datastoreItem xmlns:ds="http://schemas.openxmlformats.org/officeDocument/2006/customXml" ds:itemID="{529E81E1-445C-4E91-8E35-C5BD736A3B77}">
   <ds:schemaRefs>
-    <ds:schemaRef ds:uri="d4025935-85eb-43e8-ab32-734675053e7f"/>
-    <ds:schemaRef ds:uri="aa802c90-64f7-4260-a678-c5c09559402a"/>
-    <ds:schemaRef ds:uri="http://www.w3.org/XML/1998/namespace"/>
-    <ds:schemaRef ds:uri="http://schemas.microsoft.com/office/infopath/2007/PartnerControls"/>
-    <ds:schemaRef ds:uri="http://purl.org/dc/terms/"/>
-    <ds:schemaRef ds:uri="http://purl.org/dc/elements/1.1/"/>
-    <ds:schemaRef ds:uri="http://schemas.microsoft.com/office/2006/documentManagement/types"/>
-    <ds:schemaRef ds:uri="http://schemas.openxmlformats.org/package/2006/metadata/core-properties"/>
-    <ds:schemaRef ds:uri="http://schemas.microsoft.com/office/2006/metadata/properties"/>
-    <ds:schemaRef ds:uri="http://purl.org/dc/dcmitype/"/>
+    <ds:schemaRef ds:uri="http://schemas.microsoft.com/sharepoint/v3/contenttype/forms"/>
   </ds:schemaRefs>
 </ds:datastoreItem>
 </file>
 
 <file path=customXml/itemProps2.xml><?xml version="1.0" encoding="utf-8"?>
-<ds:datastoreItem xmlns:ds="http://schemas.openxmlformats.org/officeDocument/2006/customXml" ds:itemID="{529E81E1-445C-4E91-8E35-C5BD736A3B77}">
+<ds:datastoreItem xmlns:ds="http://schemas.openxmlformats.org/officeDocument/2006/customXml" ds:itemID="{8E36B762-179B-48EA-90B2-E74079BA15DE}">
   <ds:schemaRefs>
-    <ds:schemaRef ds:uri="http://schemas.microsoft.com/sharepoint/v3/contenttype/forms"/>
+    <ds:schemaRef ds:uri="http://purl.org/dc/dcmitype/"/>
+    <ds:schemaRef ds:uri="http://purl.org/dc/elements/1.1/"/>
+    <ds:schemaRef ds:uri="http://schemas.microsoft.com/office/2006/documentManagement/types"/>
+    <ds:schemaRef ds:uri="http://schemas.microsoft.com/office/infopath/2007/PartnerControls"/>
+    <ds:schemaRef ds:uri="http://schemas.microsoft.com/office/2006/metadata/properties"/>
+    <ds:schemaRef ds:uri="aa802c90-64f7-4260-a678-c5c09559402a"/>
+    <ds:schemaRef ds:uri="http://schemas.openxmlformats.org/package/2006/metadata/core-properties"/>
+    <ds:schemaRef ds:uri="d4025935-85eb-43e8-ab32-734675053e7f"/>
+    <ds:schemaRef ds:uri="http://www.w3.org/XML/1998/namespace"/>
+    <ds:schemaRef ds:uri="http://purl.org/dc/terms/"/>
   </ds:schemaRefs>
 </ds:datastoreItem>
 </file>
